--- a/AOP.pptx
+++ b/AOP.pptx
@@ -15,12 +15,13 @@
     <p:sldId id="266" r:id="rId9"/>
     <p:sldId id="265" r:id="rId10"/>
     <p:sldId id="267" r:id="rId11"/>
-    <p:sldId id="264" r:id="rId12"/>
-    <p:sldId id="259" r:id="rId13"/>
-    <p:sldId id="268" r:id="rId14"/>
-    <p:sldId id="270" r:id="rId15"/>
-    <p:sldId id="269" r:id="rId16"/>
-    <p:sldId id="271" r:id="rId17"/>
+    <p:sldId id="272" r:id="rId12"/>
+    <p:sldId id="264" r:id="rId13"/>
+    <p:sldId id="259" r:id="rId14"/>
+    <p:sldId id="268" r:id="rId15"/>
+    <p:sldId id="270" r:id="rId16"/>
+    <p:sldId id="269" r:id="rId17"/>
+    <p:sldId id="271" r:id="rId18"/>
   </p:sldIdLst>
   <p:sldSz cx="9144000" cy="6858000" type="screen4x3"/>
   <p:notesSz cx="6858000" cy="9144000"/>
@@ -3187,7 +3188,9 @@
         </p:nvSpPr>
         <p:spPr/>
         <p:txBody>
-          <a:bodyPr/>
+          <a:bodyPr>
+            <a:normAutofit lnSpcReduction="10000"/>
+          </a:bodyPr>
           <a:lstStyle/>
           <a:p>
             <a:r>
@@ -3219,20 +3222,41 @@
           <a:p>
             <a:r>
               <a:rPr lang="fr-FR" dirty="0" smtClean="0"/>
-              <a:t>Pas de dépendances à l’exécution</a:t>
-            </a:r>
-          </a:p>
-          <a:p>
+              <a:t>Intercepte :</a:t>
+            </a:r>
+          </a:p>
+          <a:p>
+            <a:pPr lvl="1"/>
             <a:r>
               <a:rPr lang="fr-FR" dirty="0" smtClean="0"/>
-              <a:t>Certaines infos non dispo à l’exécution</a:t>
-            </a:r>
-          </a:p>
-          <a:p>
+              <a:t>Avant la méthode</a:t>
+            </a:r>
+          </a:p>
+          <a:p>
+            <a:pPr lvl="1"/>
             <a:r>
               <a:rPr lang="fr-FR" dirty="0" smtClean="0"/>
-              <a:t>Définition des greffons et du tissage simple</a:t>
-            </a:r>
+              <a:t>Après la méthode</a:t>
+            </a:r>
+          </a:p>
+          <a:p>
+            <a:pPr lvl="1"/>
+            <a:r>
+              <a:rPr lang="fr-FR" dirty="0" smtClean="0"/>
+              <a:t>Les exceptions</a:t>
+            </a:r>
+          </a:p>
+          <a:p>
+            <a:pPr lvl="1"/>
+            <a:r>
+              <a:rPr lang="fr-FR" dirty="0" smtClean="0"/>
+              <a:t>Les </a:t>
+            </a:r>
+            <a:r>
+              <a:rPr lang="fr-FR" dirty="0" err="1" smtClean="0"/>
+              <a:t>OnFinally</a:t>
+            </a:r>
+            <a:endParaRPr lang="fr-FR" dirty="0" smtClean="0"/>
           </a:p>
         </p:txBody>
       </p:sp>
@@ -3277,8 +3301,8 @@
           <a:lstStyle/>
           <a:p>
             <a:r>
-              <a:rPr lang="fr-FR" dirty="0" err="1" smtClean="0"/>
-              <a:t>NetAspect</a:t>
+              <a:rPr lang="fr-FR" dirty="0" smtClean="0"/>
+              <a:t>Caractéristiques</a:t>
             </a:r>
             <a:endParaRPr lang="fr-FR" dirty="0"/>
           </a:p>
@@ -3296,1371 +3320,56 @@
         </p:nvSpPr>
         <p:spPr/>
         <p:txBody>
-          <a:bodyPr>
-            <a:normAutofit fontScale="25000" lnSpcReduction="20000"/>
-          </a:bodyPr>
+          <a:bodyPr/>
           <a:lstStyle/>
           <a:p>
             <a:r>
-              <a:rPr lang="fr-FR" sz="9800" dirty="0" smtClean="0"/>
-              <a:t>Problématique :</a:t>
-            </a:r>
-          </a:p>
-          <a:p>
-            <a:endParaRPr lang="fr-FR" dirty="0" smtClean="0">
-              <a:solidFill>
-                <a:srgbClr val="000000"/>
-              </a:solidFill>
-              <a:highlight>
-                <a:srgbClr val="FFFFFF"/>
-              </a:highlight>
-            </a:endParaRPr>
-          </a:p>
-          <a:p>
-            <a:endParaRPr lang="fr-FR" dirty="0" smtClean="0">
-              <a:solidFill>
-                <a:srgbClr val="000000"/>
-              </a:solidFill>
-              <a:highlight>
-                <a:srgbClr val="FFFFFF"/>
-              </a:highlight>
-            </a:endParaRPr>
-          </a:p>
-          <a:p>
-            <a:pPr>
-              <a:buNone/>
-            </a:pPr>
-            <a:r>
-              <a:rPr lang="fr-FR" sz="5600" b="1" dirty="0" smtClean="0">
-                <a:solidFill>
-                  <a:srgbClr val="0000FF"/>
-                </a:solidFill>
-                <a:highlight>
-                  <a:srgbClr val="FFFFFF"/>
-                </a:highlight>
-              </a:rPr>
-              <a:t>public</a:t>
-            </a:r>
-            <a:r>
-              <a:rPr lang="fr-FR" sz="5600" b="1" dirty="0" smtClean="0">
-                <a:solidFill>
-                  <a:srgbClr val="000000"/>
-                </a:solidFill>
-                <a:highlight>
-                  <a:srgbClr val="FFFFFF"/>
-                </a:highlight>
-              </a:rPr>
-              <a:t> </a:t>
-            </a:r>
-            <a:r>
-              <a:rPr lang="fr-FR" sz="5600" b="1" dirty="0" err="1" smtClean="0">
-                <a:solidFill>
-                  <a:srgbClr val="8000FF"/>
-                </a:solidFill>
-                <a:highlight>
-                  <a:srgbClr val="FFFFFF"/>
-                </a:highlight>
-              </a:rPr>
-              <a:t>void</a:t>
-            </a:r>
-            <a:r>
-              <a:rPr lang="fr-FR" sz="5600" b="1" dirty="0" smtClean="0">
-                <a:solidFill>
-                  <a:srgbClr val="000000"/>
-                </a:solidFill>
-                <a:highlight>
-                  <a:srgbClr val="FFFFFF"/>
-                </a:highlight>
-              </a:rPr>
-              <a:t> </a:t>
-            </a:r>
-            <a:r>
-              <a:rPr lang="fr-FR" sz="5600" b="1" dirty="0" err="1" smtClean="0">
-                <a:solidFill>
-                  <a:srgbClr val="000000"/>
-                </a:solidFill>
-                <a:highlight>
-                  <a:srgbClr val="FFFFFF"/>
-                </a:highlight>
-              </a:rPr>
-              <a:t>CreatePerson</a:t>
-            </a:r>
-            <a:r>
-              <a:rPr lang="fr-FR" sz="5600" b="1" dirty="0" smtClean="0">
-                <a:solidFill>
-                  <a:srgbClr val="000080"/>
-                </a:solidFill>
-                <a:highlight>
-                  <a:srgbClr val="FFFFFF"/>
-                </a:highlight>
-              </a:rPr>
-              <a:t>(</a:t>
-            </a:r>
-            <a:r>
-              <a:rPr lang="fr-FR" sz="5600" b="1" dirty="0" smtClean="0">
-                <a:solidFill>
-                  <a:srgbClr val="8000FF"/>
-                </a:solidFill>
-                <a:highlight>
-                  <a:srgbClr val="FFFFFF"/>
-                </a:highlight>
-              </a:rPr>
-              <a:t>string</a:t>
-            </a:r>
-            <a:r>
-              <a:rPr lang="fr-FR" sz="5600" b="1" dirty="0" smtClean="0">
-                <a:solidFill>
-                  <a:srgbClr val="000000"/>
-                </a:solidFill>
-                <a:highlight>
-                  <a:srgbClr val="FFFFFF"/>
-                </a:highlight>
-              </a:rPr>
-              <a:t> </a:t>
-            </a:r>
-            <a:r>
-              <a:rPr lang="fr-FR" sz="5600" b="1" dirty="0" err="1" smtClean="0">
-                <a:solidFill>
-                  <a:srgbClr val="000000"/>
-                </a:solidFill>
-                <a:highlight>
-                  <a:srgbClr val="FFFFFF"/>
-                </a:highlight>
-              </a:rPr>
-              <a:t>name</a:t>
-            </a:r>
-            <a:r>
-              <a:rPr lang="fr-FR" sz="5600" b="1" dirty="0" smtClean="0">
-                <a:solidFill>
-                  <a:srgbClr val="000080"/>
-                </a:solidFill>
-                <a:highlight>
-                  <a:srgbClr val="FFFFFF"/>
-                </a:highlight>
-              </a:rPr>
-              <a:t>)</a:t>
-            </a:r>
-            <a:endParaRPr lang="fr-FR" sz="5600" b="1" dirty="0" smtClean="0">
-              <a:solidFill>
-                <a:srgbClr val="000000"/>
-              </a:solidFill>
-              <a:highlight>
-                <a:srgbClr val="FFFFFF"/>
-              </a:highlight>
-            </a:endParaRPr>
-          </a:p>
-          <a:p>
-            <a:pPr>
-              <a:buNone/>
-            </a:pPr>
-            <a:r>
-              <a:rPr lang="fr-FR" sz="5600" b="1" dirty="0" smtClean="0">
-                <a:solidFill>
-                  <a:srgbClr val="000080"/>
-                </a:solidFill>
-                <a:highlight>
-                  <a:srgbClr val="FFFFFF"/>
-                </a:highlight>
-              </a:rPr>
-              <a:t>{</a:t>
-            </a:r>
-            <a:endParaRPr lang="fr-FR" sz="5600" b="1" dirty="0" smtClean="0">
-              <a:solidFill>
-                <a:srgbClr val="000000"/>
-              </a:solidFill>
-              <a:highlight>
-                <a:srgbClr val="FFFFFF"/>
-              </a:highlight>
-            </a:endParaRPr>
-          </a:p>
-          <a:p>
-            <a:pPr>
-              <a:buNone/>
-            </a:pPr>
-            <a:r>
-              <a:rPr lang="fr-FR" sz="5600" dirty="0" smtClean="0">
-                <a:solidFill>
-                  <a:srgbClr val="000000"/>
-                </a:solidFill>
-                <a:highlight>
-                  <a:srgbClr val="FFFFFF"/>
-                </a:highlight>
-              </a:rPr>
-              <a:t>	</a:t>
-            </a:r>
-            <a:r>
-              <a:rPr lang="fr-FR" sz="5600" b="1" dirty="0" smtClean="0">
-                <a:solidFill>
-                  <a:srgbClr val="0000FF"/>
-                </a:solidFill>
-                <a:highlight>
-                  <a:srgbClr val="FFFFFF"/>
-                </a:highlight>
-              </a:rPr>
-              <a:t>if</a:t>
-            </a:r>
-            <a:r>
-              <a:rPr lang="fr-FR" sz="5600" b="1" dirty="0" smtClean="0">
-                <a:solidFill>
-                  <a:srgbClr val="000000"/>
-                </a:solidFill>
-                <a:highlight>
-                  <a:srgbClr val="FFFFFF"/>
-                </a:highlight>
-              </a:rPr>
-              <a:t> </a:t>
-            </a:r>
-            <a:r>
-              <a:rPr lang="fr-FR" sz="5600" b="1" dirty="0" smtClean="0">
-                <a:solidFill>
-                  <a:srgbClr val="000080"/>
-                </a:solidFill>
-                <a:highlight>
-                  <a:srgbClr val="FFFFFF"/>
-                </a:highlight>
-              </a:rPr>
-              <a:t>(</a:t>
-            </a:r>
-            <a:r>
-              <a:rPr lang="fr-FR" sz="5600" b="1" dirty="0" err="1" smtClean="0">
-                <a:solidFill>
-                  <a:srgbClr val="000000"/>
-                </a:solidFill>
-                <a:highlight>
-                  <a:srgbClr val="FFFFFF"/>
-                </a:highlight>
-              </a:rPr>
-              <a:t>name</a:t>
-            </a:r>
-            <a:r>
-              <a:rPr lang="fr-FR" sz="5600" b="1" dirty="0" smtClean="0">
-                <a:solidFill>
-                  <a:srgbClr val="000000"/>
-                </a:solidFill>
-                <a:highlight>
-                  <a:srgbClr val="FFFFFF"/>
-                </a:highlight>
-              </a:rPr>
-              <a:t> </a:t>
-            </a:r>
-            <a:r>
-              <a:rPr lang="fr-FR" sz="5600" b="1" dirty="0" smtClean="0">
-                <a:solidFill>
-                  <a:srgbClr val="000080"/>
-                </a:solidFill>
-                <a:highlight>
-                  <a:srgbClr val="FFFFFF"/>
-                </a:highlight>
-              </a:rPr>
-              <a:t>==</a:t>
-            </a:r>
-            <a:r>
-              <a:rPr lang="fr-FR" sz="5600" b="1" dirty="0" smtClean="0">
-                <a:solidFill>
-                  <a:srgbClr val="000000"/>
-                </a:solidFill>
-                <a:highlight>
-                  <a:srgbClr val="FFFFFF"/>
-                </a:highlight>
-              </a:rPr>
-              <a:t> </a:t>
-            </a:r>
-            <a:r>
-              <a:rPr lang="fr-FR" sz="5600" b="1" dirty="0" err="1" smtClean="0">
-                <a:solidFill>
-                  <a:srgbClr val="0000FF"/>
-                </a:solidFill>
-                <a:highlight>
-                  <a:srgbClr val="FFFFFF"/>
-                </a:highlight>
-              </a:rPr>
-              <a:t>null</a:t>
-            </a:r>
-            <a:r>
-              <a:rPr lang="fr-FR" sz="5600" b="1" dirty="0" smtClean="0">
-                <a:solidFill>
-                  <a:srgbClr val="000080"/>
-                </a:solidFill>
-                <a:highlight>
-                  <a:srgbClr val="FFFFFF"/>
-                </a:highlight>
-              </a:rPr>
-              <a:t>)</a:t>
-            </a:r>
-            <a:endParaRPr lang="fr-FR" sz="5600" b="1" dirty="0" smtClean="0">
-              <a:solidFill>
-                <a:srgbClr val="000000"/>
-              </a:solidFill>
-              <a:highlight>
-                <a:srgbClr val="FFFFFF"/>
-              </a:highlight>
-            </a:endParaRPr>
-          </a:p>
-          <a:p>
-            <a:pPr>
-              <a:buNone/>
-            </a:pPr>
-            <a:r>
-              <a:rPr lang="en-US" sz="5600" dirty="0" smtClean="0">
-                <a:solidFill>
-                  <a:srgbClr val="000000"/>
-                </a:solidFill>
-                <a:highlight>
-                  <a:srgbClr val="FFFFFF"/>
-                </a:highlight>
-              </a:rPr>
-              <a:t>		</a:t>
-            </a:r>
-            <a:r>
-              <a:rPr lang="en-US" sz="5600" b="1" dirty="0" smtClean="0">
-                <a:solidFill>
-                  <a:srgbClr val="0000FF"/>
-                </a:solidFill>
-                <a:highlight>
-                  <a:srgbClr val="FFFFFF"/>
-                </a:highlight>
-              </a:rPr>
-              <a:t>throw</a:t>
-            </a:r>
-            <a:r>
-              <a:rPr lang="en-US" sz="5600" b="1" dirty="0" smtClean="0">
-                <a:solidFill>
-                  <a:srgbClr val="000000"/>
-                </a:solidFill>
-                <a:highlight>
-                  <a:srgbClr val="FFFFFF"/>
-                </a:highlight>
-              </a:rPr>
-              <a:t> </a:t>
-            </a:r>
-            <a:r>
-              <a:rPr lang="en-US" sz="5600" b="1" dirty="0" smtClean="0">
-                <a:solidFill>
-                  <a:srgbClr val="0000FF"/>
-                </a:solidFill>
-                <a:highlight>
-                  <a:srgbClr val="FFFFFF"/>
-                </a:highlight>
-              </a:rPr>
-              <a:t>new</a:t>
-            </a:r>
-            <a:r>
-              <a:rPr lang="en-US" sz="5600" b="1" dirty="0" smtClean="0">
-                <a:solidFill>
-                  <a:srgbClr val="000000"/>
-                </a:solidFill>
-                <a:highlight>
-                  <a:srgbClr val="FFFFFF"/>
-                </a:highlight>
-              </a:rPr>
-              <a:t> Exception </a:t>
-            </a:r>
-            <a:r>
-              <a:rPr lang="en-US" sz="5600" b="1" dirty="0" smtClean="0">
-                <a:solidFill>
-                  <a:srgbClr val="000080"/>
-                </a:solidFill>
-                <a:highlight>
-                  <a:srgbClr val="FFFFFF"/>
-                </a:highlight>
-              </a:rPr>
-              <a:t>(</a:t>
-            </a:r>
-            <a:r>
-              <a:rPr lang="en-US" sz="5600" b="1" dirty="0" smtClean="0">
-                <a:solidFill>
-                  <a:srgbClr val="808080"/>
-                </a:solidFill>
-                <a:highlight>
-                  <a:srgbClr val="FFFFFF"/>
-                </a:highlight>
-              </a:rPr>
-              <a:t>"name must not be null"</a:t>
-            </a:r>
-            <a:r>
-              <a:rPr lang="en-US" sz="5600" b="1" dirty="0" smtClean="0">
-                <a:solidFill>
-                  <a:srgbClr val="000080"/>
-                </a:solidFill>
-                <a:highlight>
-                  <a:srgbClr val="FFFFFF"/>
-                </a:highlight>
-              </a:rPr>
-              <a:t>);</a:t>
-            </a:r>
-            <a:endParaRPr lang="en-US" sz="5600" b="1" dirty="0" smtClean="0">
-              <a:solidFill>
-                <a:srgbClr val="000000"/>
-              </a:solidFill>
-              <a:highlight>
-                <a:srgbClr val="FFFFFF"/>
-              </a:highlight>
-            </a:endParaRPr>
-          </a:p>
-          <a:p>
-            <a:pPr>
-              <a:buNone/>
-            </a:pPr>
-            <a:r>
-              <a:rPr lang="en-US" sz="5600" dirty="0" smtClean="0">
-                <a:solidFill>
-                  <a:srgbClr val="000000"/>
-                </a:solidFill>
-                <a:highlight>
-                  <a:srgbClr val="FFFFFF"/>
-                </a:highlight>
-              </a:rPr>
-              <a:t>	</a:t>
-            </a:r>
-            <a:r>
-              <a:rPr lang="en-US" sz="5600" dirty="0" err="1" smtClean="0">
-                <a:solidFill>
-                  <a:srgbClr val="000000"/>
-                </a:solidFill>
-                <a:highlight>
-                  <a:srgbClr val="FFFFFF"/>
-                </a:highlight>
-              </a:rPr>
-              <a:t>Logger</a:t>
-            </a:r>
-            <a:r>
-              <a:rPr lang="en-US" sz="5600" b="1" dirty="0" err="1" smtClean="0">
-                <a:solidFill>
-                  <a:srgbClr val="000080"/>
-                </a:solidFill>
-                <a:highlight>
-                  <a:srgbClr val="FFFFFF"/>
-                </a:highlight>
-              </a:rPr>
-              <a:t>.</a:t>
-            </a:r>
-            <a:r>
-              <a:rPr lang="en-US" sz="5600" b="1" dirty="0" err="1" smtClean="0">
-                <a:solidFill>
-                  <a:srgbClr val="000000"/>
-                </a:solidFill>
-                <a:highlight>
-                  <a:srgbClr val="FFFFFF"/>
-                </a:highlight>
-              </a:rPr>
-              <a:t>Log</a:t>
-            </a:r>
-            <a:r>
-              <a:rPr lang="en-US" sz="5600" b="1" dirty="0" smtClean="0">
-                <a:solidFill>
-                  <a:srgbClr val="000080"/>
-                </a:solidFill>
-                <a:highlight>
-                  <a:srgbClr val="FFFFFF"/>
-                </a:highlight>
-              </a:rPr>
-              <a:t>(</a:t>
-            </a:r>
-            <a:r>
-              <a:rPr lang="en-US" sz="5600" b="1" dirty="0" smtClean="0">
-                <a:solidFill>
-                  <a:srgbClr val="808080"/>
-                </a:solidFill>
-                <a:highlight>
-                  <a:srgbClr val="FFFFFF"/>
-                </a:highlight>
-              </a:rPr>
-              <a:t>"Create a person : "</a:t>
-            </a:r>
-            <a:r>
-              <a:rPr lang="en-US" sz="5600" b="1" dirty="0" smtClean="0">
-                <a:solidFill>
-                  <a:srgbClr val="000000"/>
-                </a:solidFill>
-                <a:highlight>
-                  <a:srgbClr val="FFFFFF"/>
-                </a:highlight>
-              </a:rPr>
-              <a:t> </a:t>
-            </a:r>
-            <a:r>
-              <a:rPr lang="en-US" sz="5600" b="1" dirty="0" smtClean="0">
-                <a:solidFill>
-                  <a:srgbClr val="000080"/>
-                </a:solidFill>
-                <a:highlight>
-                  <a:srgbClr val="FFFFFF"/>
-                </a:highlight>
-              </a:rPr>
-              <a:t>+</a:t>
-            </a:r>
-            <a:r>
-              <a:rPr lang="en-US" sz="5600" b="1" dirty="0" smtClean="0">
-                <a:solidFill>
-                  <a:srgbClr val="000000"/>
-                </a:solidFill>
-                <a:highlight>
-                  <a:srgbClr val="FFFFFF"/>
-                </a:highlight>
-              </a:rPr>
-              <a:t> name</a:t>
-            </a:r>
-            <a:r>
-              <a:rPr lang="en-US" sz="5600" b="1" dirty="0" smtClean="0">
-                <a:solidFill>
-                  <a:srgbClr val="000080"/>
-                </a:solidFill>
-                <a:highlight>
-                  <a:srgbClr val="FFFFFF"/>
-                </a:highlight>
-              </a:rPr>
-              <a:t>);</a:t>
-            </a:r>
-            <a:endParaRPr lang="en-US" sz="5600" b="1" dirty="0" smtClean="0">
-              <a:solidFill>
-                <a:srgbClr val="000000"/>
-              </a:solidFill>
-              <a:highlight>
-                <a:srgbClr val="FFFFFF"/>
-              </a:highlight>
-            </a:endParaRPr>
-          </a:p>
-          <a:p>
-            <a:pPr>
-              <a:buNone/>
-            </a:pPr>
-            <a:r>
-              <a:rPr lang="fr-FR" sz="5600" dirty="0" smtClean="0">
-                <a:solidFill>
-                  <a:srgbClr val="000000"/>
-                </a:solidFill>
-                <a:highlight>
-                  <a:srgbClr val="FFFFFF"/>
-                </a:highlight>
-              </a:rPr>
-              <a:t>	</a:t>
-            </a:r>
-            <a:r>
-              <a:rPr lang="fr-FR" sz="5600" b="1" dirty="0" smtClean="0">
-                <a:solidFill>
-                  <a:srgbClr val="0000FF"/>
-                </a:solidFill>
-                <a:highlight>
-                  <a:srgbClr val="FFFFFF"/>
-                </a:highlight>
-              </a:rPr>
-              <a:t>if</a:t>
-            </a:r>
-            <a:r>
-              <a:rPr lang="fr-FR" sz="5600" b="1" dirty="0" smtClean="0">
-                <a:solidFill>
-                  <a:srgbClr val="000000"/>
-                </a:solidFill>
-                <a:highlight>
-                  <a:srgbClr val="FFFFFF"/>
-                </a:highlight>
-              </a:rPr>
-              <a:t> </a:t>
-            </a:r>
-            <a:r>
-              <a:rPr lang="fr-FR" sz="5600" b="1" dirty="0" smtClean="0">
-                <a:solidFill>
-                  <a:srgbClr val="000080"/>
-                </a:solidFill>
-                <a:highlight>
-                  <a:srgbClr val="FFFFFF"/>
-                </a:highlight>
-              </a:rPr>
-              <a:t>(!</a:t>
-            </a:r>
-            <a:r>
-              <a:rPr lang="fr-FR" sz="5600" b="1" dirty="0" err="1" smtClean="0">
-                <a:solidFill>
-                  <a:srgbClr val="000000"/>
-                </a:solidFill>
-                <a:highlight>
-                  <a:srgbClr val="FFFFFF"/>
-                </a:highlight>
-              </a:rPr>
-              <a:t>currentUser</a:t>
-            </a:r>
-            <a:r>
-              <a:rPr lang="fr-FR" sz="5600" b="1" dirty="0" err="1" smtClean="0">
-                <a:solidFill>
-                  <a:srgbClr val="000080"/>
-                </a:solidFill>
-                <a:highlight>
-                  <a:srgbClr val="FFFFFF"/>
-                </a:highlight>
-              </a:rPr>
-              <a:t>.</a:t>
-            </a:r>
-            <a:r>
-              <a:rPr lang="fr-FR" sz="5600" b="1" dirty="0" err="1" smtClean="0">
-                <a:solidFill>
-                  <a:srgbClr val="000000"/>
-                </a:solidFill>
-                <a:highlight>
-                  <a:srgbClr val="FFFFFF"/>
-                </a:highlight>
-              </a:rPr>
-              <a:t>IsAdmin</a:t>
-            </a:r>
-            <a:r>
-              <a:rPr lang="fr-FR" sz="5600" b="1" dirty="0" smtClean="0">
-                <a:solidFill>
-                  <a:srgbClr val="000080"/>
-                </a:solidFill>
-                <a:highlight>
-                  <a:srgbClr val="FFFFFF"/>
-                </a:highlight>
-              </a:rPr>
-              <a:t>())</a:t>
-            </a:r>
-            <a:endParaRPr lang="fr-FR" sz="5600" b="1" dirty="0" smtClean="0">
-              <a:solidFill>
-                <a:srgbClr val="000000"/>
-              </a:solidFill>
-              <a:highlight>
-                <a:srgbClr val="FFFFFF"/>
-              </a:highlight>
-            </a:endParaRPr>
-          </a:p>
-          <a:p>
-            <a:pPr>
-              <a:buNone/>
-            </a:pPr>
-            <a:r>
-              <a:rPr lang="en-US" sz="5600" dirty="0" smtClean="0">
-                <a:solidFill>
-                  <a:srgbClr val="000000"/>
-                </a:solidFill>
-                <a:highlight>
-                  <a:srgbClr val="FFFFFF"/>
-                </a:highlight>
-              </a:rPr>
-              <a:t>		</a:t>
-            </a:r>
-            <a:r>
-              <a:rPr lang="en-US" sz="5600" b="1" dirty="0" smtClean="0">
-                <a:solidFill>
-                  <a:srgbClr val="0000FF"/>
-                </a:solidFill>
-                <a:highlight>
-                  <a:srgbClr val="FFFFFF"/>
-                </a:highlight>
-              </a:rPr>
-              <a:t>throw</a:t>
-            </a:r>
-            <a:r>
-              <a:rPr lang="en-US" sz="5600" b="1" dirty="0" smtClean="0">
-                <a:solidFill>
-                  <a:srgbClr val="000000"/>
-                </a:solidFill>
-                <a:highlight>
-                  <a:srgbClr val="FFFFFF"/>
-                </a:highlight>
-              </a:rPr>
-              <a:t> </a:t>
-            </a:r>
-            <a:r>
-              <a:rPr lang="en-US" sz="5600" b="1" dirty="0" smtClean="0">
-                <a:solidFill>
-                  <a:srgbClr val="0000FF"/>
-                </a:solidFill>
-                <a:highlight>
-                  <a:srgbClr val="FFFFFF"/>
-                </a:highlight>
-              </a:rPr>
-              <a:t>new</a:t>
-            </a:r>
-            <a:r>
-              <a:rPr lang="en-US" sz="5600" b="1" dirty="0" smtClean="0">
-                <a:solidFill>
-                  <a:srgbClr val="000000"/>
-                </a:solidFill>
-                <a:highlight>
-                  <a:srgbClr val="FFFFFF"/>
-                </a:highlight>
-              </a:rPr>
-              <a:t> Exception </a:t>
-            </a:r>
-            <a:r>
-              <a:rPr lang="en-US" sz="5600" b="1" dirty="0" smtClean="0">
-                <a:solidFill>
-                  <a:srgbClr val="000080"/>
-                </a:solidFill>
-                <a:highlight>
-                  <a:srgbClr val="FFFFFF"/>
-                </a:highlight>
-              </a:rPr>
-              <a:t>(</a:t>
-            </a:r>
-            <a:r>
-              <a:rPr lang="en-US" sz="5600" b="1" dirty="0" smtClean="0">
-                <a:solidFill>
-                  <a:srgbClr val="808080"/>
-                </a:solidFill>
-                <a:highlight>
-                  <a:srgbClr val="FFFFFF"/>
-                </a:highlight>
-              </a:rPr>
-              <a:t>"must be admin"</a:t>
-            </a:r>
-            <a:r>
-              <a:rPr lang="en-US" sz="5600" b="1" dirty="0" smtClean="0">
-                <a:solidFill>
-                  <a:srgbClr val="000080"/>
-                </a:solidFill>
-                <a:highlight>
-                  <a:srgbClr val="FFFFFF"/>
-                </a:highlight>
-              </a:rPr>
-              <a:t>);</a:t>
-            </a:r>
-            <a:endParaRPr lang="en-US" sz="5600" b="1" dirty="0" smtClean="0">
-              <a:solidFill>
-                <a:srgbClr val="000000"/>
-              </a:solidFill>
-              <a:highlight>
-                <a:srgbClr val="FFFFFF"/>
-              </a:highlight>
-            </a:endParaRPr>
-          </a:p>
-          <a:p>
-            <a:pPr>
-              <a:buNone/>
-            </a:pPr>
-            <a:r>
-              <a:rPr lang="fr-FR" sz="5600" dirty="0" smtClean="0">
-                <a:solidFill>
-                  <a:srgbClr val="000000"/>
-                </a:solidFill>
-                <a:highlight>
-                  <a:srgbClr val="FFFFFF"/>
-                </a:highlight>
-              </a:rPr>
-              <a:t>	var transaction </a:t>
-            </a:r>
-            <a:r>
-              <a:rPr lang="fr-FR" sz="5600" b="1" dirty="0" smtClean="0">
-                <a:solidFill>
-                  <a:srgbClr val="000080"/>
-                </a:solidFill>
-                <a:highlight>
-                  <a:srgbClr val="FFFFFF"/>
-                </a:highlight>
-              </a:rPr>
-              <a:t>=</a:t>
-            </a:r>
-            <a:r>
-              <a:rPr lang="fr-FR" sz="5600" b="1" dirty="0" smtClean="0">
-                <a:solidFill>
-                  <a:srgbClr val="000000"/>
-                </a:solidFill>
-                <a:highlight>
-                  <a:srgbClr val="FFFFFF"/>
-                </a:highlight>
-              </a:rPr>
-              <a:t> </a:t>
-            </a:r>
-            <a:r>
-              <a:rPr lang="fr-FR" sz="5600" b="1" dirty="0" err="1" smtClean="0">
-                <a:solidFill>
-                  <a:srgbClr val="000000"/>
-                </a:solidFill>
-                <a:highlight>
-                  <a:srgbClr val="FFFFFF"/>
-                </a:highlight>
-              </a:rPr>
-              <a:t>session</a:t>
-            </a:r>
-            <a:r>
-              <a:rPr lang="fr-FR" sz="5600" b="1" dirty="0" err="1" smtClean="0">
-                <a:solidFill>
-                  <a:srgbClr val="000080"/>
-                </a:solidFill>
-                <a:highlight>
-                  <a:srgbClr val="FFFFFF"/>
-                </a:highlight>
-              </a:rPr>
-              <a:t>.</a:t>
-            </a:r>
-            <a:r>
-              <a:rPr lang="fr-FR" sz="5600" b="1" dirty="0" err="1" smtClean="0">
-                <a:solidFill>
-                  <a:srgbClr val="000000"/>
-                </a:solidFill>
-                <a:highlight>
-                  <a:srgbClr val="FFFFFF"/>
-                </a:highlight>
-              </a:rPr>
-              <a:t>CreateTransaction</a:t>
-            </a:r>
-            <a:r>
-              <a:rPr lang="fr-FR" sz="5600" b="1" dirty="0" smtClean="0">
-                <a:solidFill>
-                  <a:srgbClr val="000080"/>
-                </a:solidFill>
-                <a:highlight>
-                  <a:srgbClr val="FFFFFF"/>
-                </a:highlight>
-              </a:rPr>
-              <a:t>();</a:t>
-            </a:r>
-            <a:endParaRPr lang="fr-FR" sz="5600" b="1" dirty="0" smtClean="0">
-              <a:solidFill>
-                <a:srgbClr val="000000"/>
-              </a:solidFill>
-              <a:highlight>
-                <a:srgbClr val="FFFFFF"/>
-              </a:highlight>
-            </a:endParaRPr>
-          </a:p>
-          <a:p>
-            <a:pPr>
-              <a:buNone/>
-            </a:pPr>
-            <a:r>
-              <a:rPr lang="fr-FR" sz="5600" dirty="0" smtClean="0">
-                <a:solidFill>
-                  <a:srgbClr val="000000"/>
-                </a:solidFill>
-                <a:highlight>
-                  <a:srgbClr val="FFFFFF"/>
-                </a:highlight>
-              </a:rPr>
-              <a:t>	</a:t>
-            </a:r>
-            <a:r>
-              <a:rPr lang="fr-FR" sz="5600" b="1" dirty="0" err="1" smtClean="0">
-                <a:solidFill>
-                  <a:srgbClr val="0000FF"/>
-                </a:solidFill>
-                <a:highlight>
-                  <a:srgbClr val="FFFFFF"/>
-                </a:highlight>
-              </a:rPr>
-              <a:t>try</a:t>
-            </a:r>
-            <a:endParaRPr lang="fr-FR" sz="5600" b="1" dirty="0" smtClean="0">
-              <a:solidFill>
-                <a:srgbClr val="000000"/>
-              </a:solidFill>
-              <a:highlight>
-                <a:srgbClr val="FFFFFF"/>
-              </a:highlight>
-            </a:endParaRPr>
-          </a:p>
-          <a:p>
-            <a:pPr>
-              <a:buNone/>
-            </a:pPr>
-            <a:r>
-              <a:rPr lang="fr-FR" sz="5600" dirty="0" smtClean="0">
-                <a:solidFill>
-                  <a:srgbClr val="000000"/>
-                </a:solidFill>
-                <a:highlight>
-                  <a:srgbClr val="FFFFFF"/>
-                </a:highlight>
-              </a:rPr>
-              <a:t>	</a:t>
-            </a:r>
-            <a:r>
-              <a:rPr lang="fr-FR" sz="5600" b="1" dirty="0" smtClean="0">
-                <a:solidFill>
-                  <a:srgbClr val="000080"/>
-                </a:solidFill>
-                <a:highlight>
-                  <a:srgbClr val="FFFFFF"/>
-                </a:highlight>
-              </a:rPr>
-              <a:t>{</a:t>
-            </a:r>
-            <a:endParaRPr lang="fr-FR" sz="5600" b="1" dirty="0" smtClean="0">
-              <a:solidFill>
-                <a:srgbClr val="000000"/>
-              </a:solidFill>
-              <a:highlight>
-                <a:srgbClr val="FFFFFF"/>
-              </a:highlight>
-            </a:endParaRPr>
-          </a:p>
-          <a:p>
-            <a:pPr>
-              <a:buNone/>
-            </a:pPr>
-            <a:r>
-              <a:rPr lang="fr-FR" sz="5600" dirty="0" smtClean="0">
-                <a:solidFill>
-                  <a:srgbClr val="000000"/>
-                </a:solidFill>
-                <a:highlight>
-                  <a:srgbClr val="FFFFFF"/>
-                </a:highlight>
-              </a:rPr>
-              <a:t>		</a:t>
-            </a:r>
-            <a:r>
-              <a:rPr lang="fr-FR" sz="5600" dirty="0" err="1" smtClean="0">
-                <a:solidFill>
-                  <a:srgbClr val="000000"/>
-                </a:solidFill>
-                <a:highlight>
-                  <a:srgbClr val="FFFFFF"/>
-                </a:highlight>
-              </a:rPr>
-              <a:t>personDao</a:t>
-            </a:r>
-            <a:r>
-              <a:rPr lang="fr-FR" sz="5600" b="1" dirty="0" err="1" smtClean="0">
-                <a:solidFill>
-                  <a:srgbClr val="000080"/>
-                </a:solidFill>
-                <a:highlight>
-                  <a:srgbClr val="FFFFFF"/>
-                </a:highlight>
-              </a:rPr>
-              <a:t>.</a:t>
-            </a:r>
-            <a:r>
-              <a:rPr lang="fr-FR" sz="5600" b="1" dirty="0" err="1" smtClean="0">
-                <a:solidFill>
-                  <a:srgbClr val="000000"/>
-                </a:solidFill>
-                <a:highlight>
-                  <a:srgbClr val="FFFFFF"/>
-                </a:highlight>
-              </a:rPr>
-              <a:t>Create</a:t>
-            </a:r>
-            <a:r>
-              <a:rPr lang="fr-FR" sz="5600" b="1" dirty="0" smtClean="0">
-                <a:solidFill>
-                  <a:srgbClr val="000080"/>
-                </a:solidFill>
-                <a:highlight>
-                  <a:srgbClr val="FFFFFF"/>
-                </a:highlight>
-              </a:rPr>
-              <a:t>(</a:t>
-            </a:r>
-            <a:r>
-              <a:rPr lang="fr-FR" sz="5600" b="1" dirty="0" smtClean="0">
-                <a:solidFill>
-                  <a:srgbClr val="0000FF"/>
-                </a:solidFill>
-                <a:highlight>
-                  <a:srgbClr val="FFFFFF"/>
-                </a:highlight>
-              </a:rPr>
-              <a:t>new</a:t>
-            </a:r>
-            <a:r>
-              <a:rPr lang="fr-FR" sz="5600" b="1" dirty="0" smtClean="0">
-                <a:solidFill>
-                  <a:srgbClr val="000000"/>
-                </a:solidFill>
-                <a:highlight>
-                  <a:srgbClr val="FFFFFF"/>
-                </a:highlight>
-              </a:rPr>
-              <a:t> Person</a:t>
-            </a:r>
-            <a:r>
-              <a:rPr lang="fr-FR" sz="5600" b="1" dirty="0" smtClean="0">
-                <a:solidFill>
-                  <a:srgbClr val="000080"/>
-                </a:solidFill>
-                <a:highlight>
-                  <a:srgbClr val="FFFFFF"/>
-                </a:highlight>
-              </a:rPr>
-              <a:t>(</a:t>
-            </a:r>
-            <a:r>
-              <a:rPr lang="fr-FR" sz="5600" b="1" dirty="0" err="1" smtClean="0">
-                <a:solidFill>
-                  <a:srgbClr val="000000"/>
-                </a:solidFill>
-                <a:highlight>
-                  <a:srgbClr val="FFFFFF"/>
-                </a:highlight>
-              </a:rPr>
-              <a:t>name</a:t>
-            </a:r>
-            <a:r>
-              <a:rPr lang="fr-FR" sz="5600" b="1" dirty="0" smtClean="0">
-                <a:solidFill>
-                  <a:srgbClr val="000080"/>
-                </a:solidFill>
-                <a:highlight>
-                  <a:srgbClr val="FFFFFF"/>
-                </a:highlight>
-              </a:rPr>
-              <a:t>));</a:t>
-            </a:r>
-            <a:endParaRPr lang="fr-FR" sz="5600" b="1" dirty="0" smtClean="0">
-              <a:solidFill>
-                <a:srgbClr val="000000"/>
-              </a:solidFill>
-              <a:highlight>
-                <a:srgbClr val="FFFFFF"/>
-              </a:highlight>
-            </a:endParaRPr>
-          </a:p>
-          <a:p>
-            <a:pPr>
-              <a:buNone/>
-            </a:pPr>
-            <a:r>
-              <a:rPr lang="fr-FR" sz="5600" dirty="0" smtClean="0">
-                <a:solidFill>
-                  <a:srgbClr val="000000"/>
-                </a:solidFill>
-                <a:highlight>
-                  <a:srgbClr val="FFFFFF"/>
-                </a:highlight>
-              </a:rPr>
-              <a:t>		</a:t>
-            </a:r>
-            <a:r>
-              <a:rPr lang="fr-FR" sz="5600" dirty="0" err="1" smtClean="0">
-                <a:solidFill>
-                  <a:srgbClr val="000000"/>
-                </a:solidFill>
-                <a:highlight>
-                  <a:srgbClr val="FFFFFF"/>
-                </a:highlight>
-              </a:rPr>
-              <a:t>transation</a:t>
-            </a:r>
-            <a:r>
-              <a:rPr lang="fr-FR" sz="5600" b="1" dirty="0" err="1" smtClean="0">
-                <a:solidFill>
-                  <a:srgbClr val="000080"/>
-                </a:solidFill>
-                <a:highlight>
-                  <a:srgbClr val="FFFFFF"/>
-                </a:highlight>
-              </a:rPr>
-              <a:t>.</a:t>
-            </a:r>
-            <a:r>
-              <a:rPr lang="fr-FR" sz="5600" b="1" dirty="0" err="1" smtClean="0">
-                <a:solidFill>
-                  <a:srgbClr val="000000"/>
-                </a:solidFill>
-                <a:highlight>
-                  <a:srgbClr val="FFFFFF"/>
-                </a:highlight>
-              </a:rPr>
-              <a:t>Commit</a:t>
-            </a:r>
-            <a:r>
-              <a:rPr lang="fr-FR" sz="5600" b="1" dirty="0" smtClean="0">
-                <a:solidFill>
-                  <a:srgbClr val="000080"/>
-                </a:solidFill>
-                <a:highlight>
-                  <a:srgbClr val="FFFFFF"/>
-                </a:highlight>
-              </a:rPr>
-              <a:t>();</a:t>
-            </a:r>
-            <a:endParaRPr lang="fr-FR" sz="5600" b="1" dirty="0" smtClean="0">
-              <a:solidFill>
-                <a:srgbClr val="000000"/>
-              </a:solidFill>
-              <a:highlight>
-                <a:srgbClr val="FFFFFF"/>
-              </a:highlight>
-            </a:endParaRPr>
-          </a:p>
-          <a:p>
-            <a:pPr>
-              <a:buNone/>
-            </a:pPr>
-            <a:r>
-              <a:rPr lang="fr-FR" sz="5600" dirty="0" smtClean="0">
-                <a:solidFill>
-                  <a:srgbClr val="000000"/>
-                </a:solidFill>
-                <a:highlight>
-                  <a:srgbClr val="FFFFFF"/>
-                </a:highlight>
-              </a:rPr>
-              <a:t>	</a:t>
-            </a:r>
-            <a:r>
-              <a:rPr lang="fr-FR" sz="5600" b="1" dirty="0" smtClean="0">
-                <a:solidFill>
-                  <a:srgbClr val="000080"/>
-                </a:solidFill>
-                <a:highlight>
-                  <a:srgbClr val="FFFFFF"/>
-                </a:highlight>
-              </a:rPr>
-              <a:t>}</a:t>
-            </a:r>
-            <a:endParaRPr lang="fr-FR" sz="5600" b="1" dirty="0" smtClean="0">
-              <a:solidFill>
-                <a:srgbClr val="000000"/>
-              </a:solidFill>
-              <a:highlight>
-                <a:srgbClr val="FFFFFF"/>
-              </a:highlight>
-            </a:endParaRPr>
-          </a:p>
-          <a:p>
-            <a:pPr>
-              <a:buNone/>
-            </a:pPr>
-            <a:r>
-              <a:rPr lang="fr-FR" sz="5600" dirty="0" smtClean="0">
-                <a:solidFill>
-                  <a:srgbClr val="000000"/>
-                </a:solidFill>
-                <a:highlight>
-                  <a:srgbClr val="FFFFFF"/>
-                </a:highlight>
-              </a:rPr>
-              <a:t>	</a:t>
-            </a:r>
-            <a:r>
-              <a:rPr lang="fr-FR" sz="5600" b="1" dirty="0" smtClean="0">
-                <a:solidFill>
-                  <a:srgbClr val="0000FF"/>
-                </a:solidFill>
-                <a:highlight>
-                  <a:srgbClr val="FFFFFF"/>
-                </a:highlight>
-              </a:rPr>
-              <a:t>catch</a:t>
-            </a:r>
-            <a:endParaRPr lang="fr-FR" sz="5600" b="1" dirty="0" smtClean="0">
-              <a:solidFill>
-                <a:srgbClr val="000000"/>
-              </a:solidFill>
-              <a:highlight>
-                <a:srgbClr val="FFFFFF"/>
-              </a:highlight>
-            </a:endParaRPr>
-          </a:p>
-          <a:p>
-            <a:pPr>
-              <a:buNone/>
-            </a:pPr>
-            <a:r>
-              <a:rPr lang="fr-FR" sz="5600" dirty="0" smtClean="0">
-                <a:solidFill>
-                  <a:srgbClr val="000000"/>
-                </a:solidFill>
-                <a:highlight>
-                  <a:srgbClr val="FFFFFF"/>
-                </a:highlight>
-              </a:rPr>
-              <a:t>	</a:t>
-            </a:r>
-            <a:r>
-              <a:rPr lang="fr-FR" sz="5600" b="1" dirty="0" smtClean="0">
-                <a:solidFill>
-                  <a:srgbClr val="000080"/>
-                </a:solidFill>
-                <a:highlight>
-                  <a:srgbClr val="FFFFFF"/>
-                </a:highlight>
-              </a:rPr>
-              <a:t>{</a:t>
-            </a:r>
-            <a:endParaRPr lang="fr-FR" sz="5600" b="1" dirty="0" smtClean="0">
-              <a:solidFill>
-                <a:srgbClr val="000000"/>
-              </a:solidFill>
-              <a:highlight>
-                <a:srgbClr val="FFFFFF"/>
-              </a:highlight>
-            </a:endParaRPr>
-          </a:p>
-          <a:p>
-            <a:pPr>
-              <a:buNone/>
-            </a:pPr>
-            <a:r>
-              <a:rPr lang="fr-FR" sz="5600" dirty="0" smtClean="0">
-                <a:solidFill>
-                  <a:srgbClr val="000000"/>
-                </a:solidFill>
-                <a:highlight>
-                  <a:srgbClr val="FFFFFF"/>
-                </a:highlight>
-              </a:rPr>
-              <a:t>		</a:t>
-            </a:r>
-            <a:r>
-              <a:rPr lang="fr-FR" sz="5600" dirty="0" err="1" smtClean="0">
-                <a:solidFill>
-                  <a:srgbClr val="000000"/>
-                </a:solidFill>
-                <a:highlight>
-                  <a:srgbClr val="FFFFFF"/>
-                </a:highlight>
-              </a:rPr>
-              <a:t>transaction</a:t>
-            </a:r>
-            <a:r>
-              <a:rPr lang="fr-FR" sz="5600" b="1" dirty="0" err="1" smtClean="0">
-                <a:solidFill>
-                  <a:srgbClr val="000080"/>
-                </a:solidFill>
-                <a:highlight>
-                  <a:srgbClr val="FFFFFF"/>
-                </a:highlight>
-              </a:rPr>
-              <a:t>.</a:t>
-            </a:r>
-            <a:r>
-              <a:rPr lang="fr-FR" sz="5600" b="1" dirty="0" err="1" smtClean="0">
-                <a:solidFill>
-                  <a:srgbClr val="000000"/>
-                </a:solidFill>
-                <a:highlight>
-                  <a:srgbClr val="FFFFFF"/>
-                </a:highlight>
-              </a:rPr>
-              <a:t>RollBack</a:t>
-            </a:r>
-            <a:r>
-              <a:rPr lang="fr-FR" sz="5600" b="1" dirty="0" smtClean="0">
-                <a:solidFill>
-                  <a:srgbClr val="000080"/>
-                </a:solidFill>
-                <a:highlight>
-                  <a:srgbClr val="FFFFFF"/>
-                </a:highlight>
-              </a:rPr>
-              <a:t>();</a:t>
-            </a:r>
-            <a:endParaRPr lang="fr-FR" sz="5600" b="1" dirty="0" smtClean="0">
-              <a:solidFill>
-                <a:srgbClr val="000000"/>
-              </a:solidFill>
-              <a:highlight>
-                <a:srgbClr val="FFFFFF"/>
-              </a:highlight>
-            </a:endParaRPr>
-          </a:p>
-          <a:p>
-            <a:pPr>
-              <a:buNone/>
-            </a:pPr>
-            <a:r>
-              <a:rPr lang="fr-FR" sz="5600" dirty="0" smtClean="0">
-                <a:solidFill>
-                  <a:srgbClr val="000000"/>
-                </a:solidFill>
-                <a:highlight>
-                  <a:srgbClr val="FFFFFF"/>
-                </a:highlight>
-              </a:rPr>
-              <a:t>		</a:t>
-            </a:r>
-            <a:r>
-              <a:rPr lang="fr-FR" sz="5600" b="1" dirty="0" err="1" smtClean="0">
-                <a:solidFill>
-                  <a:srgbClr val="0000FF"/>
-                </a:solidFill>
-                <a:highlight>
-                  <a:srgbClr val="FFFFFF"/>
-                </a:highlight>
-              </a:rPr>
-              <a:t>throw</a:t>
-            </a:r>
-            <a:r>
-              <a:rPr lang="fr-FR" sz="5600" b="1" dirty="0" smtClean="0">
-                <a:solidFill>
-                  <a:srgbClr val="000080"/>
-                </a:solidFill>
-                <a:highlight>
-                  <a:srgbClr val="FFFFFF"/>
-                </a:highlight>
-              </a:rPr>
-              <a:t>;</a:t>
-            </a:r>
-            <a:endParaRPr lang="fr-FR" sz="5600" b="1" dirty="0" smtClean="0">
-              <a:solidFill>
-                <a:srgbClr val="000000"/>
-              </a:solidFill>
-              <a:highlight>
-                <a:srgbClr val="FFFFFF"/>
-              </a:highlight>
-            </a:endParaRPr>
-          </a:p>
-          <a:p>
-            <a:pPr>
-              <a:buNone/>
-            </a:pPr>
-            <a:r>
-              <a:rPr lang="fr-FR" sz="5600" dirty="0" smtClean="0">
-                <a:solidFill>
-                  <a:srgbClr val="000000"/>
-                </a:solidFill>
-                <a:highlight>
-                  <a:srgbClr val="FFFFFF"/>
-                </a:highlight>
-              </a:rPr>
-              <a:t>	</a:t>
-            </a:r>
-            <a:r>
-              <a:rPr lang="fr-FR" sz="5600" b="1" dirty="0" smtClean="0">
-                <a:solidFill>
-                  <a:srgbClr val="000080"/>
-                </a:solidFill>
-                <a:highlight>
-                  <a:srgbClr val="FFFFFF"/>
-                </a:highlight>
-              </a:rPr>
-              <a:t>}</a:t>
-            </a:r>
-            <a:endParaRPr lang="fr-FR" sz="5600" b="1" dirty="0" smtClean="0">
-              <a:solidFill>
-                <a:srgbClr val="000000"/>
-              </a:solidFill>
-              <a:highlight>
-                <a:srgbClr val="FFFFFF"/>
-              </a:highlight>
-            </a:endParaRPr>
-          </a:p>
-          <a:p>
-            <a:pPr>
-              <a:buNone/>
-            </a:pPr>
-            <a:r>
-              <a:rPr lang="fr-FR" sz="5600" b="1" dirty="0" smtClean="0">
-                <a:solidFill>
-                  <a:srgbClr val="000080"/>
-                </a:solidFill>
-                <a:highlight>
-                  <a:srgbClr val="FFFFFF"/>
-                </a:highlight>
-              </a:rPr>
-              <a:t>}</a:t>
-            </a:r>
-            <a:endParaRPr lang="fr-FR" sz="5600" dirty="0" smtClean="0"/>
-          </a:p>
-          <a:p>
-            <a:endParaRPr lang="fr-FR" sz="5600" dirty="0"/>
+              <a:rPr lang="fr-FR" dirty="0" smtClean="0"/>
+              <a:t>Pas </a:t>
+            </a:r>
+            <a:r>
+              <a:rPr lang="fr-FR" dirty="0" smtClean="0"/>
+              <a:t>de dépendances à l’exécution</a:t>
+            </a:r>
+          </a:p>
+          <a:p>
+            <a:endParaRPr lang="fr-FR" dirty="0" smtClean="0"/>
+          </a:p>
+          <a:p>
+            <a:r>
+              <a:rPr lang="fr-FR" dirty="0" smtClean="0"/>
+              <a:t>Certaines </a:t>
+            </a:r>
+            <a:r>
+              <a:rPr lang="fr-FR" dirty="0" smtClean="0"/>
+              <a:t>infos non dispo à l’exécution</a:t>
+            </a:r>
+          </a:p>
+          <a:p>
+            <a:endParaRPr lang="fr-FR" dirty="0" smtClean="0"/>
+          </a:p>
+          <a:p>
+            <a:r>
+              <a:rPr lang="fr-FR" dirty="0" smtClean="0"/>
+              <a:t>Définition </a:t>
+            </a:r>
+            <a:r>
+              <a:rPr lang="fr-FR" dirty="0" smtClean="0"/>
+              <a:t>des greffons et du tissage simple</a:t>
+            </a:r>
           </a:p>
         </p:txBody>
       </p:sp>
     </p:spTree>
+    <p:extLst>
+      <p:ext uri="{BB962C8B-B14F-4D97-AF65-F5344CB8AC3E}">
+        <p14:creationId xmlns:p14="http://schemas.microsoft.com/office/powerpoint/2010/main" val="3043338036"/>
+      </p:ext>
+    </p:extLst>
   </p:cSld>
   <p:clrMapOvr>
     <a:masterClrMapping/>
   </p:clrMapOvr>
-  <p:timing>
-    <p:tnLst>
-      <p:par>
-        <p:cTn id="1" dur="indefinite" restart="never" nodeType="tmRoot"/>
-      </p:par>
-    </p:tnLst>
-  </p:timing>
 </p:sld>
 </file>
 
@@ -4717,27 +3426,16 @@
         <p:spPr/>
         <p:txBody>
           <a:bodyPr>
-            <a:normAutofit fontScale="92500" lnSpcReduction="10000"/>
+            <a:normAutofit fontScale="25000" lnSpcReduction="20000"/>
           </a:bodyPr>
           <a:lstStyle/>
           <a:p>
             <a:r>
-              <a:rPr lang="fr-FR" sz="4100" dirty="0" smtClean="0"/>
-              <a:t>Avec </a:t>
-            </a:r>
-            <a:r>
-              <a:rPr lang="fr-FR" sz="4100" dirty="0" err="1" smtClean="0"/>
-              <a:t>NetAspet</a:t>
-            </a:r>
-            <a:r>
-              <a:rPr lang="fr-FR" sz="4100" dirty="0" smtClean="0"/>
-              <a:t> :</a:t>
-            </a:r>
-          </a:p>
-          <a:p>
-            <a:pPr>
-              <a:buNone/>
-            </a:pPr>
+              <a:rPr lang="fr-FR" sz="9800" dirty="0" smtClean="0"/>
+              <a:t>Problématique :</a:t>
+            </a:r>
+          </a:p>
+          <a:p>
             <a:endParaRPr lang="fr-FR" dirty="0" smtClean="0">
               <a:solidFill>
                 <a:srgbClr val="000000"/>
@@ -4748,43 +3446,7 @@
             </a:endParaRPr>
           </a:p>
           <a:p>
-            <a:pPr>
-              <a:buNone/>
-            </a:pPr>
-            <a:r>
-              <a:rPr lang="fr-FR" sz="2900" b="1" dirty="0" smtClean="0">
-                <a:solidFill>
-                  <a:srgbClr val="000080"/>
-                </a:solidFill>
-                <a:highlight>
-                  <a:srgbClr val="FFFFFF"/>
-                </a:highlight>
-              </a:rPr>
-              <a:t>[</a:t>
-            </a:r>
-            <a:r>
-              <a:rPr lang="fr-FR" sz="2900" b="1" dirty="0" err="1" smtClean="0">
-                <a:solidFill>
-                  <a:srgbClr val="000000"/>
-                </a:solidFill>
-                <a:highlight>
-                  <a:srgbClr val="FFFFFF"/>
-                </a:highlight>
-              </a:rPr>
-              <a:t>Loggable</a:t>
-            </a:r>
-            <a:r>
-              <a:rPr lang="fr-FR" sz="2900" b="1" dirty="0" smtClean="0">
-                <a:solidFill>
-                  <a:srgbClr val="000080"/>
-                </a:solidFill>
-                <a:highlight>
-                  <a:srgbClr val="FFFFFF"/>
-                </a:highlight>
-              </a:rPr>
-              <a:t>]</a:t>
-            </a:r>
-            <a:endParaRPr lang="fr-FR" sz="2900" b="1" dirty="0" smtClean="0">
+            <a:endParaRPr lang="fr-FR" dirty="0" smtClean="0">
               <a:solidFill>
                 <a:srgbClr val="000000"/>
               </a:solidFill>
@@ -4798,39 +3460,116 @@
               <a:buNone/>
             </a:pPr>
             <a:r>
-              <a:rPr lang="fr-FR" sz="2900" b="1" dirty="0" smtClean="0">
-                <a:solidFill>
-                  <a:srgbClr val="000080"/>
-                </a:solidFill>
-                <a:highlight>
-                  <a:srgbClr val="FFFFFF"/>
-                </a:highlight>
-              </a:rPr>
-              <a:t>[</a:t>
-            </a:r>
-            <a:r>
-              <a:rPr lang="fr-FR" sz="2900" b="1" dirty="0" err="1" smtClean="0">
-                <a:solidFill>
-                  <a:srgbClr val="000000"/>
-                </a:solidFill>
-                <a:highlight>
-                  <a:srgbClr val="FFFFFF"/>
-                </a:highlight>
-              </a:rPr>
-              <a:t>Transactional</a:t>
-            </a:r>
-            <a:r>
-              <a:rPr lang="fr-FR" sz="2900" b="1" dirty="0" smtClean="0">
-                <a:solidFill>
-                  <a:srgbClr val="000080"/>
-                </a:solidFill>
-                <a:highlight>
-                  <a:srgbClr val="FFFFFF"/>
-                </a:highlight>
-              </a:rPr>
-              <a:t>]</a:t>
-            </a:r>
-            <a:endParaRPr lang="fr-FR" sz="2900" b="1" dirty="0" smtClean="0">
+              <a:rPr lang="fr-FR" sz="5600" b="1" dirty="0" smtClean="0">
+                <a:solidFill>
+                  <a:srgbClr val="0000FF"/>
+                </a:solidFill>
+                <a:highlight>
+                  <a:srgbClr val="FFFFFF"/>
+                </a:highlight>
+              </a:rPr>
+              <a:t>public</a:t>
+            </a:r>
+            <a:r>
+              <a:rPr lang="fr-FR" sz="5600" b="1" dirty="0" smtClean="0">
+                <a:solidFill>
+                  <a:srgbClr val="000000"/>
+                </a:solidFill>
+                <a:highlight>
+                  <a:srgbClr val="FFFFFF"/>
+                </a:highlight>
+              </a:rPr>
+              <a:t> </a:t>
+            </a:r>
+            <a:r>
+              <a:rPr lang="fr-FR" sz="5600" b="1" dirty="0" err="1" smtClean="0">
+                <a:solidFill>
+                  <a:srgbClr val="8000FF"/>
+                </a:solidFill>
+                <a:highlight>
+                  <a:srgbClr val="FFFFFF"/>
+                </a:highlight>
+              </a:rPr>
+              <a:t>void</a:t>
+            </a:r>
+            <a:r>
+              <a:rPr lang="fr-FR" sz="5600" b="1" dirty="0" smtClean="0">
+                <a:solidFill>
+                  <a:srgbClr val="000000"/>
+                </a:solidFill>
+                <a:highlight>
+                  <a:srgbClr val="FFFFFF"/>
+                </a:highlight>
+              </a:rPr>
+              <a:t> </a:t>
+            </a:r>
+            <a:r>
+              <a:rPr lang="fr-FR" sz="5600" b="1" dirty="0" err="1" smtClean="0">
+                <a:solidFill>
+                  <a:srgbClr val="000000"/>
+                </a:solidFill>
+                <a:highlight>
+                  <a:srgbClr val="FFFFFF"/>
+                </a:highlight>
+              </a:rPr>
+              <a:t>CreatePerson</a:t>
+            </a:r>
+            <a:r>
+              <a:rPr lang="fr-FR" sz="5600" b="1" dirty="0" smtClean="0">
+                <a:solidFill>
+                  <a:srgbClr val="000080"/>
+                </a:solidFill>
+                <a:highlight>
+                  <a:srgbClr val="FFFFFF"/>
+                </a:highlight>
+              </a:rPr>
+              <a:t>(</a:t>
+            </a:r>
+            <a:r>
+              <a:rPr lang="fr-FR" sz="5600" b="1" dirty="0" smtClean="0">
+                <a:solidFill>
+                  <a:srgbClr val="8000FF"/>
+                </a:solidFill>
+                <a:highlight>
+                  <a:srgbClr val="FFFFFF"/>
+                </a:highlight>
+              </a:rPr>
+              <a:t>string</a:t>
+            </a:r>
+            <a:r>
+              <a:rPr lang="fr-FR" sz="5600" b="1" dirty="0" smtClean="0">
+                <a:solidFill>
+                  <a:srgbClr val="000000"/>
+                </a:solidFill>
+                <a:highlight>
+                  <a:srgbClr val="FFFFFF"/>
+                </a:highlight>
+              </a:rPr>
+              <a:t> </a:t>
+            </a:r>
+            <a:r>
+              <a:rPr lang="fr-FR" sz="5600" b="1" dirty="0" err="1" smtClean="0">
+                <a:solidFill>
+                  <a:srgbClr val="000000"/>
+                </a:solidFill>
+                <a:highlight>
+                  <a:srgbClr val="FFFFFF"/>
+                </a:highlight>
+              </a:rPr>
+              <a:t>name</a:t>
+            </a:r>
+            <a:r>
+              <a:rPr lang="fr-FR" sz="5600" b="1" dirty="0" smtClean="0">
+                <a:solidFill>
+                  <a:srgbClr val="000080"/>
+                </a:solidFill>
+                <a:highlight>
+                  <a:srgbClr val="FFFFFF"/>
+                </a:highlight>
+              </a:rPr>
+              <a:t>)</a:t>
+            </a:r>
+            <a:endParaRPr lang="fr-FR" sz="5600" b="1" dirty="0" smtClean="0">
               <a:solidFill>
                 <a:srgbClr val="000000"/>
               </a:solidFill>
@@ -4844,39 +3583,17 @@
               <a:buNone/>
             </a:pPr>
             <a:r>
-              <a:rPr lang="fr-FR" sz="2900" b="1" dirty="0" smtClean="0">
-                <a:solidFill>
-                  <a:srgbClr val="000080"/>
-                </a:solidFill>
-                <a:highlight>
-                  <a:srgbClr val="FFFFFF"/>
-                </a:highlight>
-              </a:rPr>
-              <a:t>[</a:t>
-            </a:r>
-            <a:r>
-              <a:rPr lang="fr-FR" sz="2900" b="1" dirty="0" err="1" smtClean="0">
-                <a:solidFill>
-                  <a:srgbClr val="000000"/>
-                </a:solidFill>
-                <a:highlight>
-                  <a:srgbClr val="FFFFFF"/>
-                </a:highlight>
-              </a:rPr>
-              <a:t>MustBeAdmin</a:t>
-            </a:r>
-            <a:r>
-              <a:rPr lang="fr-FR" sz="2900" b="1" dirty="0" smtClean="0">
-                <a:solidFill>
-                  <a:srgbClr val="000080"/>
-                </a:solidFill>
-                <a:highlight>
-                  <a:srgbClr val="FFFFFF"/>
-                </a:highlight>
-              </a:rPr>
-              <a:t>]</a:t>
-            </a:r>
-            <a:endParaRPr lang="fr-FR" sz="2900" b="1" dirty="0" smtClean="0">
+              <a:rPr lang="fr-FR" sz="5600" b="1" dirty="0" smtClean="0">
+                <a:solidFill>
+                  <a:srgbClr val="000080"/>
+                </a:solidFill>
+                <a:highlight>
+                  <a:srgbClr val="FFFFFF"/>
+                </a:highlight>
+              </a:rPr>
+              <a:t>{</a:t>
+            </a:r>
+            <a:endParaRPr lang="fr-FR" sz="5600" b="1" dirty="0" smtClean="0">
               <a:solidFill>
                 <a:srgbClr val="000000"/>
               </a:solidFill>
@@ -4890,7 +3607,18 @@
               <a:buNone/>
             </a:pPr>
             <a:r>
-              <a:rPr lang="en-US" sz="2900" b="1" dirty="0" smtClean="0">
+              <a:rPr lang="fr-FR" sz="5600" dirty="0" smtClean="0">
+                <a:solidFill>
+                  <a:srgbClr val="000000"/>
+                </a:solidFill>
+                <a:highlight>
+                  <a:srgbClr val="FFFFFF"/>
+                </a:highlight>
+              </a:rPr>
+              <a:t>	</a:t>
+            </a:r>
+            <a:r>
+              <a:rPr lang="fr-FR" sz="5600" b="1" dirty="0" smtClean="0">
                 <a:solidFill>
                   <a:srgbClr val="0000FF"/>
                 </a:solidFill>
@@ -4898,10 +3626,10 @@
                   <a:srgbClr val="FFFFFF"/>
                 </a:highlight>
               </a:rPr>
-              <a:t>public</a:t>
-            </a:r>
-            <a:r>
-              <a:rPr lang="en-US" sz="2900" b="1" dirty="0" smtClean="0">
+              <a:t>if</a:t>
+            </a:r>
+            <a:r>
+              <a:rPr lang="fr-FR" sz="5600" b="1" dirty="0" smtClean="0">
                 <a:solidFill>
                   <a:srgbClr val="000000"/>
                 </a:solidFill>
@@ -4912,18 +3640,29 @@
               <a:t> </a:t>
             </a:r>
             <a:r>
-              <a:rPr lang="en-US" sz="2900" b="1" dirty="0" smtClean="0">
-                <a:solidFill>
-                  <a:srgbClr val="8000FF"/>
-                </a:solidFill>
-                <a:highlight>
-                  <a:srgbClr val="FFFFFF"/>
-                </a:highlight>
-              </a:rPr>
-              <a:t>void</a:t>
-            </a:r>
-            <a:r>
-              <a:rPr lang="en-US" sz="2900" b="1" dirty="0" smtClean="0">
+              <a:rPr lang="fr-FR" sz="5600" b="1" dirty="0" smtClean="0">
+                <a:solidFill>
+                  <a:srgbClr val="000080"/>
+                </a:solidFill>
+                <a:highlight>
+                  <a:srgbClr val="FFFFFF"/>
+                </a:highlight>
+              </a:rPr>
+              <a:t>(</a:t>
+            </a:r>
+            <a:r>
+              <a:rPr lang="fr-FR" sz="5600" b="1" dirty="0" err="1" smtClean="0">
+                <a:solidFill>
+                  <a:srgbClr val="000000"/>
+                </a:solidFill>
+                <a:highlight>
+                  <a:srgbClr val="FFFFFF"/>
+                </a:highlight>
+              </a:rPr>
+              <a:t>name</a:t>
+            </a:r>
+            <a:r>
+              <a:rPr lang="fr-FR" sz="5600" b="1" dirty="0" smtClean="0">
                 <a:solidFill>
                   <a:srgbClr val="000000"/>
                 </a:solidFill>
@@ -4934,51 +3673,18 @@
               <a:t> </a:t>
             </a:r>
             <a:r>
-              <a:rPr lang="en-US" sz="2900" b="1" dirty="0" err="1" smtClean="0">
-                <a:solidFill>
-                  <a:srgbClr val="000000"/>
-                </a:solidFill>
-                <a:highlight>
-                  <a:srgbClr val="FFFFFF"/>
-                </a:highlight>
-              </a:rPr>
-              <a:t>CreatePerson</a:t>
-            </a:r>
-            <a:r>
-              <a:rPr lang="en-US" sz="2900" b="1" dirty="0" smtClean="0">
-                <a:solidFill>
-                  <a:srgbClr val="000080"/>
-                </a:solidFill>
-                <a:highlight>
-                  <a:srgbClr val="FFFFFF"/>
-                </a:highlight>
-              </a:rPr>
-              <a:t>([</a:t>
-            </a:r>
-            <a:r>
-              <a:rPr lang="en-US" sz="2900" b="1" dirty="0" err="1" smtClean="0">
-                <a:solidFill>
-                  <a:srgbClr val="000000"/>
-                </a:solidFill>
-                <a:highlight>
-                  <a:srgbClr val="FFFFFF"/>
-                </a:highlight>
-              </a:rPr>
-              <a:t>NotNull</a:t>
-            </a:r>
-            <a:r>
-              <a:rPr lang="en-US" sz="2900" b="1" dirty="0" smtClean="0">
-                <a:solidFill>
-                  <a:srgbClr val="000080"/>
-                </a:solidFill>
-                <a:highlight>
-                  <a:srgbClr val="FFFFFF"/>
-                </a:highlight>
-              </a:rPr>
-              <a:t>]</a:t>
-            </a:r>
-            <a:r>
-              <a:rPr lang="en-US" sz="2900" b="1" dirty="0" smtClean="0">
+              <a:rPr lang="fr-FR" sz="5600" b="1" dirty="0" smtClean="0">
+                <a:solidFill>
+                  <a:srgbClr val="000080"/>
+                </a:solidFill>
+                <a:highlight>
+                  <a:srgbClr val="FFFFFF"/>
+                </a:highlight>
+              </a:rPr>
+              <a:t>==</a:t>
+            </a:r>
+            <a:r>
+              <a:rPr lang="fr-FR" sz="5600" b="1" dirty="0" smtClean="0">
                 <a:solidFill>
                   <a:srgbClr val="000000"/>
                 </a:solidFill>
@@ -4989,29 +3695,18 @@
               <a:t> </a:t>
             </a:r>
             <a:r>
-              <a:rPr lang="en-US" sz="2900" b="1" dirty="0" smtClean="0">
-                <a:solidFill>
-                  <a:srgbClr val="8000FF"/>
-                </a:solidFill>
-                <a:highlight>
-                  <a:srgbClr val="FFFFFF"/>
-                </a:highlight>
-              </a:rPr>
-              <a:t>string</a:t>
-            </a:r>
-            <a:r>
-              <a:rPr lang="en-US" sz="2900" b="1" dirty="0" smtClean="0">
-                <a:solidFill>
-                  <a:srgbClr val="000000"/>
-                </a:solidFill>
-                <a:highlight>
-                  <a:srgbClr val="FFFFFF"/>
-                </a:highlight>
-              </a:rPr>
-              <a:t> name</a:t>
-            </a:r>
-            <a:r>
-              <a:rPr lang="en-US" sz="2900" b="1" dirty="0" smtClean="0">
+              <a:rPr lang="fr-FR" sz="5600" b="1" dirty="0" err="1" smtClean="0">
+                <a:solidFill>
+                  <a:srgbClr val="0000FF"/>
+                </a:solidFill>
+                <a:highlight>
+                  <a:srgbClr val="FFFFFF"/>
+                </a:highlight>
+              </a:rPr>
+              <a:t>null</a:t>
+            </a:r>
+            <a:r>
+              <a:rPr lang="fr-FR" sz="5600" b="1" dirty="0" smtClean="0">
                 <a:solidFill>
                   <a:srgbClr val="000080"/>
                 </a:solidFill>
@@ -5021,7 +3716,7 @@
               </a:rPr>
               <a:t>)</a:t>
             </a:r>
-            <a:endParaRPr lang="en-US" sz="2900" b="1" dirty="0" smtClean="0">
+            <a:endParaRPr lang="fr-FR" sz="5600" b="1" dirty="0" smtClean="0">
               <a:solidFill>
                 <a:srgbClr val="000000"/>
               </a:solidFill>
@@ -5035,17 +3730,94 @@
               <a:buNone/>
             </a:pPr>
             <a:r>
-              <a:rPr lang="fr-FR" sz="2900" b="1" dirty="0" smtClean="0">
-                <a:solidFill>
-                  <a:srgbClr val="000080"/>
-                </a:solidFill>
-                <a:highlight>
-                  <a:srgbClr val="FFFFFF"/>
-                </a:highlight>
-              </a:rPr>
-              <a:t>{</a:t>
-            </a:r>
-            <a:endParaRPr lang="fr-FR" sz="2900" b="1" dirty="0" smtClean="0">
+              <a:rPr lang="en-US" sz="5600" dirty="0" smtClean="0">
+                <a:solidFill>
+                  <a:srgbClr val="000000"/>
+                </a:solidFill>
+                <a:highlight>
+                  <a:srgbClr val="FFFFFF"/>
+                </a:highlight>
+              </a:rPr>
+              <a:t>		</a:t>
+            </a:r>
+            <a:r>
+              <a:rPr lang="en-US" sz="5600" b="1" dirty="0" smtClean="0">
+                <a:solidFill>
+                  <a:srgbClr val="0000FF"/>
+                </a:solidFill>
+                <a:highlight>
+                  <a:srgbClr val="FFFFFF"/>
+                </a:highlight>
+              </a:rPr>
+              <a:t>throw</a:t>
+            </a:r>
+            <a:r>
+              <a:rPr lang="en-US" sz="5600" b="1" dirty="0" smtClean="0">
+                <a:solidFill>
+                  <a:srgbClr val="000000"/>
+                </a:solidFill>
+                <a:highlight>
+                  <a:srgbClr val="FFFFFF"/>
+                </a:highlight>
+              </a:rPr>
+              <a:t> </a:t>
+            </a:r>
+            <a:r>
+              <a:rPr lang="en-US" sz="5600" b="1" dirty="0" smtClean="0">
+                <a:solidFill>
+                  <a:srgbClr val="0000FF"/>
+                </a:solidFill>
+                <a:highlight>
+                  <a:srgbClr val="FFFFFF"/>
+                </a:highlight>
+              </a:rPr>
+              <a:t>new</a:t>
+            </a:r>
+            <a:r>
+              <a:rPr lang="en-US" sz="5600" b="1" dirty="0" smtClean="0">
+                <a:solidFill>
+                  <a:srgbClr val="000000"/>
+                </a:solidFill>
+                <a:highlight>
+                  <a:srgbClr val="FFFFFF"/>
+                </a:highlight>
+              </a:rPr>
+              <a:t> Exception </a:t>
+            </a:r>
+            <a:r>
+              <a:rPr lang="en-US" sz="5600" b="1" dirty="0" smtClean="0">
+                <a:solidFill>
+                  <a:srgbClr val="000080"/>
+                </a:solidFill>
+                <a:highlight>
+                  <a:srgbClr val="FFFFFF"/>
+                </a:highlight>
+              </a:rPr>
+              <a:t>(</a:t>
+            </a:r>
+            <a:r>
+              <a:rPr lang="en-US" sz="5600" b="1" dirty="0" smtClean="0">
+                <a:solidFill>
+                  <a:srgbClr val="808080"/>
+                </a:solidFill>
+                <a:highlight>
+                  <a:srgbClr val="FFFFFF"/>
+                </a:highlight>
+              </a:rPr>
+              <a:t>"name must not be null"</a:t>
+            </a:r>
+            <a:r>
+              <a:rPr lang="en-US" sz="5600" b="1" dirty="0" smtClean="0">
+                <a:solidFill>
+                  <a:srgbClr val="000080"/>
+                </a:solidFill>
+                <a:highlight>
+                  <a:srgbClr val="FFFFFF"/>
+                </a:highlight>
+              </a:rPr>
+              <a:t>);</a:t>
+            </a:r>
+            <a:endParaRPr lang="en-US" sz="5600" b="1" dirty="0" smtClean="0">
               <a:solidFill>
                 <a:srgbClr val="000000"/>
               </a:solidFill>
@@ -5059,7 +3831,7 @@
               <a:buNone/>
             </a:pPr>
             <a:r>
-              <a:rPr lang="fr-FR" sz="2900" dirty="0" smtClean="0">
+              <a:rPr lang="en-US" sz="5600" dirty="0" smtClean="0">
                 <a:solidFill>
                   <a:srgbClr val="000000"/>
                 </a:solidFill>
@@ -5070,18 +3842,18 @@
               <a:t>	</a:t>
             </a:r>
             <a:r>
-              <a:rPr lang="fr-FR" sz="2900" dirty="0" err="1" smtClean="0">
-                <a:solidFill>
-                  <a:srgbClr val="000000"/>
-                </a:solidFill>
-                <a:highlight>
-                  <a:srgbClr val="FFFFFF"/>
-                </a:highlight>
-              </a:rPr>
-              <a:t>personDao</a:t>
-            </a:r>
-            <a:r>
-              <a:rPr lang="fr-FR" sz="2900" b="1" dirty="0" err="1" smtClean="0">
+              <a:rPr lang="en-US" sz="5600" dirty="0" err="1" smtClean="0">
+                <a:solidFill>
+                  <a:srgbClr val="000000"/>
+                </a:solidFill>
+                <a:highlight>
+                  <a:srgbClr val="FFFFFF"/>
+                </a:highlight>
+              </a:rPr>
+              <a:t>Logger</a:t>
+            </a:r>
+            <a:r>
+              <a:rPr lang="en-US" sz="5600" b="1" dirty="0" err="1" smtClean="0">
                 <a:solidFill>
                   <a:srgbClr val="000080"/>
                 </a:solidFill>
@@ -5092,18 +3864,18 @@
               <a:t>.</a:t>
             </a:r>
             <a:r>
-              <a:rPr lang="fr-FR" sz="2900" b="1" dirty="0" err="1" smtClean="0">
-                <a:solidFill>
-                  <a:srgbClr val="000000"/>
-                </a:solidFill>
-                <a:highlight>
-                  <a:srgbClr val="FFFFFF"/>
-                </a:highlight>
-              </a:rPr>
-              <a:t>Create</a:t>
-            </a:r>
-            <a:r>
-              <a:rPr lang="fr-FR" sz="2900" b="1" dirty="0" smtClean="0">
+              <a:rPr lang="en-US" sz="5600" b="1" dirty="0" err="1" smtClean="0">
+                <a:solidFill>
+                  <a:srgbClr val="000000"/>
+                </a:solidFill>
+                <a:highlight>
+                  <a:srgbClr val="FFFFFF"/>
+                </a:highlight>
+              </a:rPr>
+              <a:t>Log</a:t>
+            </a:r>
+            <a:r>
+              <a:rPr lang="en-US" sz="5600" b="1" dirty="0" smtClean="0">
                 <a:solidFill>
                   <a:srgbClr val="000080"/>
                 </a:solidFill>
@@ -5114,61 +3886,61 @@
               <a:t>(</a:t>
             </a:r>
             <a:r>
-              <a:rPr lang="fr-FR" sz="2900" b="1" dirty="0" smtClean="0">
-                <a:solidFill>
-                  <a:srgbClr val="0000FF"/>
-                </a:solidFill>
-                <a:highlight>
-                  <a:srgbClr val="FFFFFF"/>
-                </a:highlight>
-              </a:rPr>
-              <a:t>new</a:t>
-            </a:r>
-            <a:r>
-              <a:rPr lang="fr-FR" sz="2900" b="1" dirty="0" smtClean="0">
-                <a:solidFill>
-                  <a:srgbClr val="000000"/>
-                </a:solidFill>
-                <a:highlight>
-                  <a:srgbClr val="FFFFFF"/>
-                </a:highlight>
-              </a:rPr>
-              <a:t> Person</a:t>
-            </a:r>
-            <a:r>
-              <a:rPr lang="fr-FR" sz="2900" b="1" dirty="0" smtClean="0">
-                <a:solidFill>
-                  <a:srgbClr val="000080"/>
-                </a:solidFill>
-                <a:highlight>
-                  <a:srgbClr val="FFFFFF"/>
-                </a:highlight>
-              </a:rPr>
-              <a:t>(</a:t>
-            </a:r>
-            <a:r>
-              <a:rPr lang="fr-FR" sz="2900" b="1" dirty="0" err="1" smtClean="0">
-                <a:solidFill>
-                  <a:srgbClr val="000000"/>
-                </a:solidFill>
-                <a:highlight>
-                  <a:srgbClr val="FFFFFF"/>
-                </a:highlight>
-              </a:rPr>
-              <a:t>name</a:t>
-            </a:r>
-            <a:r>
-              <a:rPr lang="fr-FR" sz="2900" b="1" dirty="0" smtClean="0">
-                <a:solidFill>
-                  <a:srgbClr val="000080"/>
-                </a:solidFill>
-                <a:highlight>
-                  <a:srgbClr val="FFFFFF"/>
-                </a:highlight>
-              </a:rPr>
-              <a:t>));</a:t>
-            </a:r>
-            <a:endParaRPr lang="fr-FR" sz="2900" b="1" dirty="0" smtClean="0">
+              <a:rPr lang="en-US" sz="5600" b="1" dirty="0" smtClean="0">
+                <a:solidFill>
+                  <a:srgbClr val="808080"/>
+                </a:solidFill>
+                <a:highlight>
+                  <a:srgbClr val="FFFFFF"/>
+                </a:highlight>
+              </a:rPr>
+              <a:t>"Create a person : "</a:t>
+            </a:r>
+            <a:r>
+              <a:rPr lang="en-US" sz="5600" b="1" dirty="0" smtClean="0">
+                <a:solidFill>
+                  <a:srgbClr val="000000"/>
+                </a:solidFill>
+                <a:highlight>
+                  <a:srgbClr val="FFFFFF"/>
+                </a:highlight>
+              </a:rPr>
+              <a:t> </a:t>
+            </a:r>
+            <a:r>
+              <a:rPr lang="en-US" sz="5600" b="1" dirty="0" smtClean="0">
+                <a:solidFill>
+                  <a:srgbClr val="000080"/>
+                </a:solidFill>
+                <a:highlight>
+                  <a:srgbClr val="FFFFFF"/>
+                </a:highlight>
+              </a:rPr>
+              <a:t>+</a:t>
+            </a:r>
+            <a:r>
+              <a:rPr lang="en-US" sz="5600" b="1" dirty="0" smtClean="0">
+                <a:solidFill>
+                  <a:srgbClr val="000000"/>
+                </a:solidFill>
+                <a:highlight>
+                  <a:srgbClr val="FFFFFF"/>
+                </a:highlight>
+              </a:rPr>
+              <a:t> name</a:t>
+            </a:r>
+            <a:r>
+              <a:rPr lang="en-US" sz="5600" b="1" dirty="0" smtClean="0">
+                <a:solidFill>
+                  <a:srgbClr val="000080"/>
+                </a:solidFill>
+                <a:highlight>
+                  <a:srgbClr val="FFFFFF"/>
+                </a:highlight>
+              </a:rPr>
+              <a:t>);</a:t>
+            </a:r>
+            <a:endParaRPr lang="en-US" sz="5600" b="1" dirty="0" smtClean="0">
               <a:solidFill>
                 <a:srgbClr val="000000"/>
               </a:solidFill>
@@ -5182,7 +3954,571 @@
               <a:buNone/>
             </a:pPr>
             <a:r>
-              <a:rPr lang="fr-FR" sz="2900" b="1" dirty="0" smtClean="0">
+              <a:rPr lang="fr-FR" sz="5600" dirty="0" smtClean="0">
+                <a:solidFill>
+                  <a:srgbClr val="000000"/>
+                </a:solidFill>
+                <a:highlight>
+                  <a:srgbClr val="FFFFFF"/>
+                </a:highlight>
+              </a:rPr>
+              <a:t>	</a:t>
+            </a:r>
+            <a:r>
+              <a:rPr lang="fr-FR" sz="5600" b="1" dirty="0" smtClean="0">
+                <a:solidFill>
+                  <a:srgbClr val="0000FF"/>
+                </a:solidFill>
+                <a:highlight>
+                  <a:srgbClr val="FFFFFF"/>
+                </a:highlight>
+              </a:rPr>
+              <a:t>if</a:t>
+            </a:r>
+            <a:r>
+              <a:rPr lang="fr-FR" sz="5600" b="1" dirty="0" smtClean="0">
+                <a:solidFill>
+                  <a:srgbClr val="000000"/>
+                </a:solidFill>
+                <a:highlight>
+                  <a:srgbClr val="FFFFFF"/>
+                </a:highlight>
+              </a:rPr>
+              <a:t> </a:t>
+            </a:r>
+            <a:r>
+              <a:rPr lang="fr-FR" sz="5600" b="1" dirty="0" smtClean="0">
+                <a:solidFill>
+                  <a:srgbClr val="000080"/>
+                </a:solidFill>
+                <a:highlight>
+                  <a:srgbClr val="FFFFFF"/>
+                </a:highlight>
+              </a:rPr>
+              <a:t>(!</a:t>
+            </a:r>
+            <a:r>
+              <a:rPr lang="fr-FR" sz="5600" b="1" dirty="0" err="1" smtClean="0">
+                <a:solidFill>
+                  <a:srgbClr val="000000"/>
+                </a:solidFill>
+                <a:highlight>
+                  <a:srgbClr val="FFFFFF"/>
+                </a:highlight>
+              </a:rPr>
+              <a:t>currentUser</a:t>
+            </a:r>
+            <a:r>
+              <a:rPr lang="fr-FR" sz="5600" b="1" dirty="0" err="1" smtClean="0">
+                <a:solidFill>
+                  <a:srgbClr val="000080"/>
+                </a:solidFill>
+                <a:highlight>
+                  <a:srgbClr val="FFFFFF"/>
+                </a:highlight>
+              </a:rPr>
+              <a:t>.</a:t>
+            </a:r>
+            <a:r>
+              <a:rPr lang="fr-FR" sz="5600" b="1" dirty="0" err="1" smtClean="0">
+                <a:solidFill>
+                  <a:srgbClr val="000000"/>
+                </a:solidFill>
+                <a:highlight>
+                  <a:srgbClr val="FFFFFF"/>
+                </a:highlight>
+              </a:rPr>
+              <a:t>IsAdmin</a:t>
+            </a:r>
+            <a:r>
+              <a:rPr lang="fr-FR" sz="5600" b="1" dirty="0" smtClean="0">
+                <a:solidFill>
+                  <a:srgbClr val="000080"/>
+                </a:solidFill>
+                <a:highlight>
+                  <a:srgbClr val="FFFFFF"/>
+                </a:highlight>
+              </a:rPr>
+              <a:t>())</a:t>
+            </a:r>
+            <a:endParaRPr lang="fr-FR" sz="5600" b="1" dirty="0" smtClean="0">
+              <a:solidFill>
+                <a:srgbClr val="000000"/>
+              </a:solidFill>
+              <a:highlight>
+                <a:srgbClr val="FFFFFF"/>
+              </a:highlight>
+            </a:endParaRPr>
+          </a:p>
+          <a:p>
+            <a:pPr>
+              <a:buNone/>
+            </a:pPr>
+            <a:r>
+              <a:rPr lang="en-US" sz="5600" dirty="0" smtClean="0">
+                <a:solidFill>
+                  <a:srgbClr val="000000"/>
+                </a:solidFill>
+                <a:highlight>
+                  <a:srgbClr val="FFFFFF"/>
+                </a:highlight>
+              </a:rPr>
+              <a:t>		</a:t>
+            </a:r>
+            <a:r>
+              <a:rPr lang="en-US" sz="5600" b="1" dirty="0" smtClean="0">
+                <a:solidFill>
+                  <a:srgbClr val="0000FF"/>
+                </a:solidFill>
+                <a:highlight>
+                  <a:srgbClr val="FFFFFF"/>
+                </a:highlight>
+              </a:rPr>
+              <a:t>throw</a:t>
+            </a:r>
+            <a:r>
+              <a:rPr lang="en-US" sz="5600" b="1" dirty="0" smtClean="0">
+                <a:solidFill>
+                  <a:srgbClr val="000000"/>
+                </a:solidFill>
+                <a:highlight>
+                  <a:srgbClr val="FFFFFF"/>
+                </a:highlight>
+              </a:rPr>
+              <a:t> </a:t>
+            </a:r>
+            <a:r>
+              <a:rPr lang="en-US" sz="5600" b="1" dirty="0" smtClean="0">
+                <a:solidFill>
+                  <a:srgbClr val="0000FF"/>
+                </a:solidFill>
+                <a:highlight>
+                  <a:srgbClr val="FFFFFF"/>
+                </a:highlight>
+              </a:rPr>
+              <a:t>new</a:t>
+            </a:r>
+            <a:r>
+              <a:rPr lang="en-US" sz="5600" b="1" dirty="0" smtClean="0">
+                <a:solidFill>
+                  <a:srgbClr val="000000"/>
+                </a:solidFill>
+                <a:highlight>
+                  <a:srgbClr val="FFFFFF"/>
+                </a:highlight>
+              </a:rPr>
+              <a:t> Exception </a:t>
+            </a:r>
+            <a:r>
+              <a:rPr lang="en-US" sz="5600" b="1" dirty="0" smtClean="0">
+                <a:solidFill>
+                  <a:srgbClr val="000080"/>
+                </a:solidFill>
+                <a:highlight>
+                  <a:srgbClr val="FFFFFF"/>
+                </a:highlight>
+              </a:rPr>
+              <a:t>(</a:t>
+            </a:r>
+            <a:r>
+              <a:rPr lang="en-US" sz="5600" b="1" dirty="0" smtClean="0">
+                <a:solidFill>
+                  <a:srgbClr val="808080"/>
+                </a:solidFill>
+                <a:highlight>
+                  <a:srgbClr val="FFFFFF"/>
+                </a:highlight>
+              </a:rPr>
+              <a:t>"must be admin"</a:t>
+            </a:r>
+            <a:r>
+              <a:rPr lang="en-US" sz="5600" b="1" dirty="0" smtClean="0">
+                <a:solidFill>
+                  <a:srgbClr val="000080"/>
+                </a:solidFill>
+                <a:highlight>
+                  <a:srgbClr val="FFFFFF"/>
+                </a:highlight>
+              </a:rPr>
+              <a:t>);</a:t>
+            </a:r>
+            <a:endParaRPr lang="en-US" sz="5600" b="1" dirty="0" smtClean="0">
+              <a:solidFill>
+                <a:srgbClr val="000000"/>
+              </a:solidFill>
+              <a:highlight>
+                <a:srgbClr val="FFFFFF"/>
+              </a:highlight>
+            </a:endParaRPr>
+          </a:p>
+          <a:p>
+            <a:pPr>
+              <a:buNone/>
+            </a:pPr>
+            <a:r>
+              <a:rPr lang="fr-FR" sz="5600" dirty="0" smtClean="0">
+                <a:solidFill>
+                  <a:srgbClr val="000000"/>
+                </a:solidFill>
+                <a:highlight>
+                  <a:srgbClr val="FFFFFF"/>
+                </a:highlight>
+              </a:rPr>
+              <a:t>	var transaction </a:t>
+            </a:r>
+            <a:r>
+              <a:rPr lang="fr-FR" sz="5600" b="1" dirty="0" smtClean="0">
+                <a:solidFill>
+                  <a:srgbClr val="000080"/>
+                </a:solidFill>
+                <a:highlight>
+                  <a:srgbClr val="FFFFFF"/>
+                </a:highlight>
+              </a:rPr>
+              <a:t>=</a:t>
+            </a:r>
+            <a:r>
+              <a:rPr lang="fr-FR" sz="5600" b="1" dirty="0" smtClean="0">
+                <a:solidFill>
+                  <a:srgbClr val="000000"/>
+                </a:solidFill>
+                <a:highlight>
+                  <a:srgbClr val="FFFFFF"/>
+                </a:highlight>
+              </a:rPr>
+              <a:t> </a:t>
+            </a:r>
+            <a:r>
+              <a:rPr lang="fr-FR" sz="5600" b="1" dirty="0" err="1" smtClean="0">
+                <a:solidFill>
+                  <a:srgbClr val="000000"/>
+                </a:solidFill>
+                <a:highlight>
+                  <a:srgbClr val="FFFFFF"/>
+                </a:highlight>
+              </a:rPr>
+              <a:t>session</a:t>
+            </a:r>
+            <a:r>
+              <a:rPr lang="fr-FR" sz="5600" b="1" dirty="0" err="1" smtClean="0">
+                <a:solidFill>
+                  <a:srgbClr val="000080"/>
+                </a:solidFill>
+                <a:highlight>
+                  <a:srgbClr val="FFFFFF"/>
+                </a:highlight>
+              </a:rPr>
+              <a:t>.</a:t>
+            </a:r>
+            <a:r>
+              <a:rPr lang="fr-FR" sz="5600" b="1" dirty="0" err="1" smtClean="0">
+                <a:solidFill>
+                  <a:srgbClr val="000000"/>
+                </a:solidFill>
+                <a:highlight>
+                  <a:srgbClr val="FFFFFF"/>
+                </a:highlight>
+              </a:rPr>
+              <a:t>CreateTransaction</a:t>
+            </a:r>
+            <a:r>
+              <a:rPr lang="fr-FR" sz="5600" b="1" dirty="0" smtClean="0">
+                <a:solidFill>
+                  <a:srgbClr val="000080"/>
+                </a:solidFill>
+                <a:highlight>
+                  <a:srgbClr val="FFFFFF"/>
+                </a:highlight>
+              </a:rPr>
+              <a:t>();</a:t>
+            </a:r>
+            <a:endParaRPr lang="fr-FR" sz="5600" b="1" dirty="0" smtClean="0">
+              <a:solidFill>
+                <a:srgbClr val="000000"/>
+              </a:solidFill>
+              <a:highlight>
+                <a:srgbClr val="FFFFFF"/>
+              </a:highlight>
+            </a:endParaRPr>
+          </a:p>
+          <a:p>
+            <a:pPr>
+              <a:buNone/>
+            </a:pPr>
+            <a:r>
+              <a:rPr lang="fr-FR" sz="5600" dirty="0" smtClean="0">
+                <a:solidFill>
+                  <a:srgbClr val="000000"/>
+                </a:solidFill>
+                <a:highlight>
+                  <a:srgbClr val="FFFFFF"/>
+                </a:highlight>
+              </a:rPr>
+              <a:t>	</a:t>
+            </a:r>
+            <a:r>
+              <a:rPr lang="fr-FR" sz="5600" b="1" dirty="0" err="1" smtClean="0">
+                <a:solidFill>
+                  <a:srgbClr val="0000FF"/>
+                </a:solidFill>
+                <a:highlight>
+                  <a:srgbClr val="FFFFFF"/>
+                </a:highlight>
+              </a:rPr>
+              <a:t>try</a:t>
+            </a:r>
+            <a:endParaRPr lang="fr-FR" sz="5600" b="1" dirty="0" smtClean="0">
+              <a:solidFill>
+                <a:srgbClr val="000000"/>
+              </a:solidFill>
+              <a:highlight>
+                <a:srgbClr val="FFFFFF"/>
+              </a:highlight>
+            </a:endParaRPr>
+          </a:p>
+          <a:p>
+            <a:pPr>
+              <a:buNone/>
+            </a:pPr>
+            <a:r>
+              <a:rPr lang="fr-FR" sz="5600" dirty="0" smtClean="0">
+                <a:solidFill>
+                  <a:srgbClr val="000000"/>
+                </a:solidFill>
+                <a:highlight>
+                  <a:srgbClr val="FFFFFF"/>
+                </a:highlight>
+              </a:rPr>
+              <a:t>	</a:t>
+            </a:r>
+            <a:r>
+              <a:rPr lang="fr-FR" sz="5600" b="1" dirty="0" smtClean="0">
+                <a:solidFill>
+                  <a:srgbClr val="000080"/>
+                </a:solidFill>
+                <a:highlight>
+                  <a:srgbClr val="FFFFFF"/>
+                </a:highlight>
+              </a:rPr>
+              <a:t>{</a:t>
+            </a:r>
+            <a:endParaRPr lang="fr-FR" sz="5600" b="1" dirty="0" smtClean="0">
+              <a:solidFill>
+                <a:srgbClr val="000000"/>
+              </a:solidFill>
+              <a:highlight>
+                <a:srgbClr val="FFFFFF"/>
+              </a:highlight>
+            </a:endParaRPr>
+          </a:p>
+          <a:p>
+            <a:pPr>
+              <a:buNone/>
+            </a:pPr>
+            <a:r>
+              <a:rPr lang="fr-FR" sz="5600" dirty="0" smtClean="0">
+                <a:solidFill>
+                  <a:srgbClr val="000000"/>
+                </a:solidFill>
+                <a:highlight>
+                  <a:srgbClr val="FFFFFF"/>
+                </a:highlight>
+              </a:rPr>
+              <a:t>		</a:t>
+            </a:r>
+            <a:r>
+              <a:rPr lang="fr-FR" sz="5600" dirty="0" err="1" smtClean="0">
+                <a:solidFill>
+                  <a:srgbClr val="000000"/>
+                </a:solidFill>
+                <a:highlight>
+                  <a:srgbClr val="FFFFFF"/>
+                </a:highlight>
+              </a:rPr>
+              <a:t>personDao</a:t>
+            </a:r>
+            <a:r>
+              <a:rPr lang="fr-FR" sz="5600" b="1" dirty="0" err="1" smtClean="0">
+                <a:solidFill>
+                  <a:srgbClr val="000080"/>
+                </a:solidFill>
+                <a:highlight>
+                  <a:srgbClr val="FFFFFF"/>
+                </a:highlight>
+              </a:rPr>
+              <a:t>.</a:t>
+            </a:r>
+            <a:r>
+              <a:rPr lang="fr-FR" sz="5600" b="1" dirty="0" err="1" smtClean="0">
+                <a:solidFill>
+                  <a:srgbClr val="000000"/>
+                </a:solidFill>
+                <a:highlight>
+                  <a:srgbClr val="FFFFFF"/>
+                </a:highlight>
+              </a:rPr>
+              <a:t>Create</a:t>
+            </a:r>
+            <a:r>
+              <a:rPr lang="fr-FR" sz="5600" b="1" dirty="0" smtClean="0">
+                <a:solidFill>
+                  <a:srgbClr val="000080"/>
+                </a:solidFill>
+                <a:highlight>
+                  <a:srgbClr val="FFFFFF"/>
+                </a:highlight>
+              </a:rPr>
+              <a:t>(</a:t>
+            </a:r>
+            <a:r>
+              <a:rPr lang="fr-FR" sz="5600" b="1" dirty="0" smtClean="0">
+                <a:solidFill>
+                  <a:srgbClr val="0000FF"/>
+                </a:solidFill>
+                <a:highlight>
+                  <a:srgbClr val="FFFFFF"/>
+                </a:highlight>
+              </a:rPr>
+              <a:t>new</a:t>
+            </a:r>
+            <a:r>
+              <a:rPr lang="fr-FR" sz="5600" b="1" dirty="0" smtClean="0">
+                <a:solidFill>
+                  <a:srgbClr val="000000"/>
+                </a:solidFill>
+                <a:highlight>
+                  <a:srgbClr val="FFFFFF"/>
+                </a:highlight>
+              </a:rPr>
+              <a:t> Person</a:t>
+            </a:r>
+            <a:r>
+              <a:rPr lang="fr-FR" sz="5600" b="1" dirty="0" smtClean="0">
+                <a:solidFill>
+                  <a:srgbClr val="000080"/>
+                </a:solidFill>
+                <a:highlight>
+                  <a:srgbClr val="FFFFFF"/>
+                </a:highlight>
+              </a:rPr>
+              <a:t>(</a:t>
+            </a:r>
+            <a:r>
+              <a:rPr lang="fr-FR" sz="5600" b="1" dirty="0" err="1" smtClean="0">
+                <a:solidFill>
+                  <a:srgbClr val="000000"/>
+                </a:solidFill>
+                <a:highlight>
+                  <a:srgbClr val="FFFFFF"/>
+                </a:highlight>
+              </a:rPr>
+              <a:t>name</a:t>
+            </a:r>
+            <a:r>
+              <a:rPr lang="fr-FR" sz="5600" b="1" dirty="0" smtClean="0">
+                <a:solidFill>
+                  <a:srgbClr val="000080"/>
+                </a:solidFill>
+                <a:highlight>
+                  <a:srgbClr val="FFFFFF"/>
+                </a:highlight>
+              </a:rPr>
+              <a:t>));</a:t>
+            </a:r>
+            <a:endParaRPr lang="fr-FR" sz="5600" b="1" dirty="0" smtClean="0">
+              <a:solidFill>
+                <a:srgbClr val="000000"/>
+              </a:solidFill>
+              <a:highlight>
+                <a:srgbClr val="FFFFFF"/>
+              </a:highlight>
+            </a:endParaRPr>
+          </a:p>
+          <a:p>
+            <a:pPr>
+              <a:buNone/>
+            </a:pPr>
+            <a:r>
+              <a:rPr lang="fr-FR" sz="5600" dirty="0" smtClean="0">
+                <a:solidFill>
+                  <a:srgbClr val="000000"/>
+                </a:solidFill>
+                <a:highlight>
+                  <a:srgbClr val="FFFFFF"/>
+                </a:highlight>
+              </a:rPr>
+              <a:t>		</a:t>
+            </a:r>
+            <a:r>
+              <a:rPr lang="fr-FR" sz="5600" dirty="0" err="1" smtClean="0">
+                <a:solidFill>
+                  <a:srgbClr val="000000"/>
+                </a:solidFill>
+                <a:highlight>
+                  <a:srgbClr val="FFFFFF"/>
+                </a:highlight>
+              </a:rPr>
+              <a:t>transation</a:t>
+            </a:r>
+            <a:r>
+              <a:rPr lang="fr-FR" sz="5600" b="1" dirty="0" err="1" smtClean="0">
+                <a:solidFill>
+                  <a:srgbClr val="000080"/>
+                </a:solidFill>
+                <a:highlight>
+                  <a:srgbClr val="FFFFFF"/>
+                </a:highlight>
+              </a:rPr>
+              <a:t>.</a:t>
+            </a:r>
+            <a:r>
+              <a:rPr lang="fr-FR" sz="5600" b="1" dirty="0" err="1" smtClean="0">
+                <a:solidFill>
+                  <a:srgbClr val="000000"/>
+                </a:solidFill>
+                <a:highlight>
+                  <a:srgbClr val="FFFFFF"/>
+                </a:highlight>
+              </a:rPr>
+              <a:t>Commit</a:t>
+            </a:r>
+            <a:r>
+              <a:rPr lang="fr-FR" sz="5600" b="1" dirty="0" smtClean="0">
+                <a:solidFill>
+                  <a:srgbClr val="000080"/>
+                </a:solidFill>
+                <a:highlight>
+                  <a:srgbClr val="FFFFFF"/>
+                </a:highlight>
+              </a:rPr>
+              <a:t>();</a:t>
+            </a:r>
+            <a:endParaRPr lang="fr-FR" sz="5600" b="1" dirty="0" smtClean="0">
+              <a:solidFill>
+                <a:srgbClr val="000000"/>
+              </a:solidFill>
+              <a:highlight>
+                <a:srgbClr val="FFFFFF"/>
+              </a:highlight>
+            </a:endParaRPr>
+          </a:p>
+          <a:p>
+            <a:pPr>
+              <a:buNone/>
+            </a:pPr>
+            <a:r>
+              <a:rPr lang="fr-FR" sz="5600" dirty="0" smtClean="0">
+                <a:solidFill>
+                  <a:srgbClr val="000000"/>
+                </a:solidFill>
+                <a:highlight>
+                  <a:srgbClr val="FFFFFF"/>
+                </a:highlight>
+              </a:rPr>
+              <a:t>	</a:t>
+            </a:r>
+            <a:r>
+              <a:rPr lang="fr-FR" sz="5600" b="1" dirty="0" smtClean="0">
                 <a:solidFill>
                   <a:srgbClr val="000080"/>
                 </a:solidFill>
@@ -5192,7 +4528,253 @@
               </a:rPr>
               <a:t>}</a:t>
             </a:r>
-            <a:endParaRPr lang="fr-FR" sz="2900" dirty="0"/>
+            <a:endParaRPr lang="fr-FR" sz="5600" b="1" dirty="0" smtClean="0">
+              <a:solidFill>
+                <a:srgbClr val="000000"/>
+              </a:solidFill>
+              <a:highlight>
+                <a:srgbClr val="FFFFFF"/>
+              </a:highlight>
+            </a:endParaRPr>
+          </a:p>
+          <a:p>
+            <a:pPr>
+              <a:buNone/>
+            </a:pPr>
+            <a:r>
+              <a:rPr lang="fr-FR" sz="5600" dirty="0" smtClean="0">
+                <a:solidFill>
+                  <a:srgbClr val="000000"/>
+                </a:solidFill>
+                <a:highlight>
+                  <a:srgbClr val="FFFFFF"/>
+                </a:highlight>
+              </a:rPr>
+              <a:t>	</a:t>
+            </a:r>
+            <a:r>
+              <a:rPr lang="fr-FR" sz="5600" b="1" dirty="0" smtClean="0">
+                <a:solidFill>
+                  <a:srgbClr val="0000FF"/>
+                </a:solidFill>
+                <a:highlight>
+                  <a:srgbClr val="FFFFFF"/>
+                </a:highlight>
+              </a:rPr>
+              <a:t>catch</a:t>
+            </a:r>
+            <a:endParaRPr lang="fr-FR" sz="5600" b="1" dirty="0" smtClean="0">
+              <a:solidFill>
+                <a:srgbClr val="000000"/>
+              </a:solidFill>
+              <a:highlight>
+                <a:srgbClr val="FFFFFF"/>
+              </a:highlight>
+            </a:endParaRPr>
+          </a:p>
+          <a:p>
+            <a:pPr>
+              <a:buNone/>
+            </a:pPr>
+            <a:r>
+              <a:rPr lang="fr-FR" sz="5600" dirty="0" smtClean="0">
+                <a:solidFill>
+                  <a:srgbClr val="000000"/>
+                </a:solidFill>
+                <a:highlight>
+                  <a:srgbClr val="FFFFFF"/>
+                </a:highlight>
+              </a:rPr>
+              <a:t>	</a:t>
+            </a:r>
+            <a:r>
+              <a:rPr lang="fr-FR" sz="5600" b="1" dirty="0" smtClean="0">
+                <a:solidFill>
+                  <a:srgbClr val="000080"/>
+                </a:solidFill>
+                <a:highlight>
+                  <a:srgbClr val="FFFFFF"/>
+                </a:highlight>
+              </a:rPr>
+              <a:t>{</a:t>
+            </a:r>
+            <a:endParaRPr lang="fr-FR" sz="5600" b="1" dirty="0" smtClean="0">
+              <a:solidFill>
+                <a:srgbClr val="000000"/>
+              </a:solidFill>
+              <a:highlight>
+                <a:srgbClr val="FFFFFF"/>
+              </a:highlight>
+            </a:endParaRPr>
+          </a:p>
+          <a:p>
+            <a:pPr>
+              <a:buNone/>
+            </a:pPr>
+            <a:r>
+              <a:rPr lang="fr-FR" sz="5600" dirty="0" smtClean="0">
+                <a:solidFill>
+                  <a:srgbClr val="000000"/>
+                </a:solidFill>
+                <a:highlight>
+                  <a:srgbClr val="FFFFFF"/>
+                </a:highlight>
+              </a:rPr>
+              <a:t>		</a:t>
+            </a:r>
+            <a:r>
+              <a:rPr lang="fr-FR" sz="5600" dirty="0" err="1" smtClean="0">
+                <a:solidFill>
+                  <a:srgbClr val="000000"/>
+                </a:solidFill>
+                <a:highlight>
+                  <a:srgbClr val="FFFFFF"/>
+                </a:highlight>
+              </a:rPr>
+              <a:t>transaction</a:t>
+            </a:r>
+            <a:r>
+              <a:rPr lang="fr-FR" sz="5600" b="1" dirty="0" err="1" smtClean="0">
+                <a:solidFill>
+                  <a:srgbClr val="000080"/>
+                </a:solidFill>
+                <a:highlight>
+                  <a:srgbClr val="FFFFFF"/>
+                </a:highlight>
+              </a:rPr>
+              <a:t>.</a:t>
+            </a:r>
+            <a:r>
+              <a:rPr lang="fr-FR" sz="5600" b="1" dirty="0" err="1" smtClean="0">
+                <a:solidFill>
+                  <a:srgbClr val="000000"/>
+                </a:solidFill>
+                <a:highlight>
+                  <a:srgbClr val="FFFFFF"/>
+                </a:highlight>
+              </a:rPr>
+              <a:t>RollBack</a:t>
+            </a:r>
+            <a:r>
+              <a:rPr lang="fr-FR" sz="5600" b="1" dirty="0" smtClean="0">
+                <a:solidFill>
+                  <a:srgbClr val="000080"/>
+                </a:solidFill>
+                <a:highlight>
+                  <a:srgbClr val="FFFFFF"/>
+                </a:highlight>
+              </a:rPr>
+              <a:t>();</a:t>
+            </a:r>
+            <a:endParaRPr lang="fr-FR" sz="5600" b="1" dirty="0" smtClean="0">
+              <a:solidFill>
+                <a:srgbClr val="000000"/>
+              </a:solidFill>
+              <a:highlight>
+                <a:srgbClr val="FFFFFF"/>
+              </a:highlight>
+            </a:endParaRPr>
+          </a:p>
+          <a:p>
+            <a:pPr>
+              <a:buNone/>
+            </a:pPr>
+            <a:r>
+              <a:rPr lang="fr-FR" sz="5600" dirty="0" smtClean="0">
+                <a:solidFill>
+                  <a:srgbClr val="000000"/>
+                </a:solidFill>
+                <a:highlight>
+                  <a:srgbClr val="FFFFFF"/>
+                </a:highlight>
+              </a:rPr>
+              <a:t>		</a:t>
+            </a:r>
+            <a:r>
+              <a:rPr lang="fr-FR" sz="5600" b="1" dirty="0" err="1" smtClean="0">
+                <a:solidFill>
+                  <a:srgbClr val="0000FF"/>
+                </a:solidFill>
+                <a:highlight>
+                  <a:srgbClr val="FFFFFF"/>
+                </a:highlight>
+              </a:rPr>
+              <a:t>throw</a:t>
+            </a:r>
+            <a:r>
+              <a:rPr lang="fr-FR" sz="5600" b="1" dirty="0" smtClean="0">
+                <a:solidFill>
+                  <a:srgbClr val="000080"/>
+                </a:solidFill>
+                <a:highlight>
+                  <a:srgbClr val="FFFFFF"/>
+                </a:highlight>
+              </a:rPr>
+              <a:t>;</a:t>
+            </a:r>
+            <a:endParaRPr lang="fr-FR" sz="5600" b="1" dirty="0" smtClean="0">
+              <a:solidFill>
+                <a:srgbClr val="000000"/>
+              </a:solidFill>
+              <a:highlight>
+                <a:srgbClr val="FFFFFF"/>
+              </a:highlight>
+            </a:endParaRPr>
+          </a:p>
+          <a:p>
+            <a:pPr>
+              <a:buNone/>
+            </a:pPr>
+            <a:r>
+              <a:rPr lang="fr-FR" sz="5600" dirty="0" smtClean="0">
+                <a:solidFill>
+                  <a:srgbClr val="000000"/>
+                </a:solidFill>
+                <a:highlight>
+                  <a:srgbClr val="FFFFFF"/>
+                </a:highlight>
+              </a:rPr>
+              <a:t>	</a:t>
+            </a:r>
+            <a:r>
+              <a:rPr lang="fr-FR" sz="5600" b="1" dirty="0" smtClean="0">
+                <a:solidFill>
+                  <a:srgbClr val="000080"/>
+                </a:solidFill>
+                <a:highlight>
+                  <a:srgbClr val="FFFFFF"/>
+                </a:highlight>
+              </a:rPr>
+              <a:t>}</a:t>
+            </a:r>
+            <a:endParaRPr lang="fr-FR" sz="5600" b="1" dirty="0" smtClean="0">
+              <a:solidFill>
+                <a:srgbClr val="000000"/>
+              </a:solidFill>
+              <a:highlight>
+                <a:srgbClr val="FFFFFF"/>
+              </a:highlight>
+            </a:endParaRPr>
+          </a:p>
+          <a:p>
+            <a:pPr>
+              <a:buNone/>
+            </a:pPr>
+            <a:r>
+              <a:rPr lang="fr-FR" sz="5600" b="1" dirty="0" smtClean="0">
+                <a:solidFill>
+                  <a:srgbClr val="000080"/>
+                </a:solidFill>
+                <a:highlight>
+                  <a:srgbClr val="FFFFFF"/>
+                </a:highlight>
+              </a:rPr>
+              <a:t>}</a:t>
+            </a:r>
+            <a:endParaRPr lang="fr-FR" sz="5600" dirty="0" smtClean="0"/>
+          </a:p>
+          <a:p>
+            <a:endParaRPr lang="fr-FR" sz="5600" dirty="0"/>
           </a:p>
         </p:txBody>
       </p:sp>
@@ -5264,21 +4846,21 @@
         <p:spPr/>
         <p:txBody>
           <a:bodyPr>
-            <a:normAutofit/>
+            <a:normAutofit fontScale="92500" lnSpcReduction="10000"/>
           </a:bodyPr>
           <a:lstStyle/>
           <a:p>
             <a:r>
               <a:rPr lang="fr-FR" sz="4100" dirty="0" smtClean="0"/>
-              <a:t>L’aspect </a:t>
+              <a:t>Avec </a:t>
             </a:r>
             <a:r>
               <a:rPr lang="fr-FR" sz="4100" dirty="0" err="1" smtClean="0"/>
-              <a:t>Loggable</a:t>
+              <a:t>NetAspet</a:t>
             </a:r>
             <a:r>
               <a:rPr lang="fr-FR" sz="4100" dirty="0" smtClean="0"/>
-              <a:t>:</a:t>
+              <a:t> :</a:t>
             </a:r>
           </a:p>
           <a:p>
@@ -5299,105 +4881,39 @@
               <a:buNone/>
             </a:pPr>
             <a:r>
-              <a:rPr lang="fr-FR" sz="1400" b="1" dirty="0" smtClean="0">
-                <a:solidFill>
-                  <a:srgbClr val="0000FF"/>
-                </a:solidFill>
-                <a:highlight>
-                  <a:srgbClr val="FFFFFF"/>
-                </a:highlight>
-              </a:rPr>
-              <a:t>public</a:t>
-            </a:r>
-            <a:r>
-              <a:rPr lang="fr-FR" sz="1400" b="1" dirty="0" smtClean="0">
-                <a:solidFill>
-                  <a:srgbClr val="000000"/>
-                </a:solidFill>
-                <a:highlight>
-                  <a:srgbClr val="FFFFFF"/>
-                </a:highlight>
-              </a:rPr>
-              <a:t> </a:t>
-            </a:r>
-            <a:r>
-              <a:rPr lang="fr-FR" sz="1400" b="1" dirty="0" smtClean="0">
-                <a:solidFill>
-                  <a:srgbClr val="8000FF"/>
-                </a:solidFill>
-                <a:highlight>
-                  <a:srgbClr val="FFFFFF"/>
-                </a:highlight>
-              </a:rPr>
-              <a:t>class</a:t>
-            </a:r>
-            <a:r>
-              <a:rPr lang="fr-FR" sz="1400" b="1" dirty="0" smtClean="0">
-                <a:solidFill>
-                  <a:srgbClr val="000000"/>
-                </a:solidFill>
-                <a:highlight>
-                  <a:srgbClr val="FFFFFF"/>
-                </a:highlight>
-              </a:rPr>
-              <a:t> </a:t>
-            </a:r>
-            <a:r>
-              <a:rPr lang="fr-FR" sz="1400" b="1" dirty="0" err="1" smtClean="0">
-                <a:solidFill>
-                  <a:srgbClr val="000000"/>
-                </a:solidFill>
-                <a:highlight>
-                  <a:srgbClr val="FFFFFF"/>
-                </a:highlight>
-              </a:rPr>
-              <a:t>LoggableAttribute</a:t>
-            </a:r>
-            <a:r>
-              <a:rPr lang="fr-FR" sz="1400" b="1" dirty="0" smtClean="0">
-                <a:solidFill>
-                  <a:srgbClr val="000000"/>
-                </a:solidFill>
-                <a:highlight>
-                  <a:srgbClr val="FFFFFF"/>
-                </a:highlight>
-              </a:rPr>
-              <a:t> </a:t>
-            </a:r>
-            <a:r>
-              <a:rPr lang="fr-FR" sz="1400" b="1" dirty="0" smtClean="0">
-                <a:solidFill>
-                  <a:srgbClr val="000080"/>
-                </a:solidFill>
-                <a:highlight>
-                  <a:srgbClr val="FFFFFF"/>
-                </a:highlight>
-              </a:rPr>
-              <a:t>:</a:t>
-            </a:r>
-            <a:r>
-              <a:rPr lang="fr-FR" sz="1400" b="1" dirty="0" smtClean="0">
-                <a:solidFill>
-                  <a:srgbClr val="000000"/>
-                </a:solidFill>
-                <a:highlight>
-                  <a:srgbClr val="FFFFFF"/>
-                </a:highlight>
-              </a:rPr>
-              <a:t> </a:t>
-            </a:r>
-            <a:r>
-              <a:rPr lang="fr-FR" sz="1400" b="1" dirty="0" err="1" smtClean="0">
-                <a:solidFill>
-                  <a:srgbClr val="000000"/>
-                </a:solidFill>
-                <a:highlight>
-                  <a:srgbClr val="FFFFFF"/>
-                </a:highlight>
-              </a:rPr>
-              <a:t>Attribute</a:t>
-            </a:r>
-            <a:endParaRPr lang="fr-FR" sz="1400" b="1" dirty="0" smtClean="0">
+              <a:rPr lang="fr-FR" sz="2900" b="1" dirty="0" smtClean="0">
+                <a:solidFill>
+                  <a:srgbClr val="000080"/>
+                </a:solidFill>
+                <a:highlight>
+                  <a:srgbClr val="FFFFFF"/>
+                </a:highlight>
+              </a:rPr>
+              <a:t>[</a:t>
+            </a:r>
+            <a:r>
+              <a:rPr lang="fr-FR" sz="2900" b="1" dirty="0" err="1" smtClean="0">
+                <a:solidFill>
+                  <a:srgbClr val="000000"/>
+                </a:solidFill>
+                <a:highlight>
+                  <a:srgbClr val="FFFFFF"/>
+                </a:highlight>
+              </a:rPr>
+              <a:t>Loggable</a:t>
+            </a:r>
+            <a:r>
+              <a:rPr lang="fr-FR" sz="2900" b="1" dirty="0" smtClean="0">
+                <a:solidFill>
+                  <a:srgbClr val="000080"/>
+                </a:solidFill>
+                <a:highlight>
+                  <a:srgbClr val="FFFFFF"/>
+                </a:highlight>
+              </a:rPr>
+              <a:t>]</a:t>
+            </a:r>
+            <a:endParaRPr lang="fr-FR" sz="2900" b="1" dirty="0" smtClean="0">
               <a:solidFill>
                 <a:srgbClr val="000000"/>
               </a:solidFill>
@@ -5411,17 +4927,39 @@
               <a:buNone/>
             </a:pPr>
             <a:r>
-              <a:rPr lang="fr-FR" sz="1400" b="1" dirty="0" smtClean="0">
-                <a:solidFill>
-                  <a:srgbClr val="000080"/>
-                </a:solidFill>
-                <a:highlight>
-                  <a:srgbClr val="FFFFFF"/>
-                </a:highlight>
-              </a:rPr>
-              <a:t>{</a:t>
-            </a:r>
-            <a:endParaRPr lang="fr-FR" sz="1400" b="1" dirty="0" smtClean="0">
+              <a:rPr lang="fr-FR" sz="2900" b="1" dirty="0" smtClean="0">
+                <a:solidFill>
+                  <a:srgbClr val="000080"/>
+                </a:solidFill>
+                <a:highlight>
+                  <a:srgbClr val="FFFFFF"/>
+                </a:highlight>
+              </a:rPr>
+              <a:t>[</a:t>
+            </a:r>
+            <a:r>
+              <a:rPr lang="fr-FR" sz="2900" b="1" dirty="0" err="1" smtClean="0">
+                <a:solidFill>
+                  <a:srgbClr val="000000"/>
+                </a:solidFill>
+                <a:highlight>
+                  <a:srgbClr val="FFFFFF"/>
+                </a:highlight>
+              </a:rPr>
+              <a:t>Transactional</a:t>
+            </a:r>
+            <a:r>
+              <a:rPr lang="fr-FR" sz="2900" b="1" dirty="0" smtClean="0">
+                <a:solidFill>
+                  <a:srgbClr val="000080"/>
+                </a:solidFill>
+                <a:highlight>
+                  <a:srgbClr val="FFFFFF"/>
+                </a:highlight>
+              </a:rPr>
+              <a:t>]</a:t>
+            </a:r>
+            <a:endParaRPr lang="fr-FR" sz="2900" b="1" dirty="0" smtClean="0">
               <a:solidFill>
                 <a:srgbClr val="000000"/>
               </a:solidFill>
@@ -5435,127 +4973,39 @@
               <a:buNone/>
             </a:pPr>
             <a:r>
-              <a:rPr lang="fr-FR" sz="1400" dirty="0" smtClean="0">
-                <a:solidFill>
-                  <a:srgbClr val="000000"/>
-                </a:solidFill>
-                <a:highlight>
-                  <a:srgbClr val="FFFFFF"/>
-                </a:highlight>
-              </a:rPr>
-              <a:t>	 </a:t>
-            </a:r>
-            <a:r>
-              <a:rPr lang="fr-FR" sz="1400" b="1" dirty="0" smtClean="0">
-                <a:solidFill>
-                  <a:srgbClr val="0000FF"/>
-                </a:solidFill>
-                <a:highlight>
-                  <a:srgbClr val="FFFFFF"/>
-                </a:highlight>
-              </a:rPr>
-              <a:t>public</a:t>
-            </a:r>
-            <a:r>
-              <a:rPr lang="fr-FR" sz="1400" b="1" dirty="0" smtClean="0">
-                <a:solidFill>
-                  <a:srgbClr val="000000"/>
-                </a:solidFill>
-                <a:highlight>
-                  <a:srgbClr val="FFFFFF"/>
-                </a:highlight>
-              </a:rPr>
-              <a:t> </a:t>
-            </a:r>
-            <a:r>
-              <a:rPr lang="fr-FR" sz="1400" b="1" dirty="0" err="1" smtClean="0">
-                <a:solidFill>
-                  <a:srgbClr val="8000FF"/>
-                </a:solidFill>
-                <a:highlight>
-                  <a:srgbClr val="FFFFFF"/>
-                </a:highlight>
-              </a:rPr>
-              <a:t>bool</a:t>
-            </a:r>
-            <a:r>
-              <a:rPr lang="fr-FR" sz="1400" b="1" dirty="0" smtClean="0">
-                <a:solidFill>
-                  <a:srgbClr val="000000"/>
-                </a:solidFill>
-                <a:highlight>
-                  <a:srgbClr val="FFFFFF"/>
-                </a:highlight>
-              </a:rPr>
-              <a:t> </a:t>
-            </a:r>
-            <a:r>
-              <a:rPr lang="fr-FR" sz="1400" b="1" dirty="0" err="1" smtClean="0">
-                <a:solidFill>
-                  <a:srgbClr val="000000"/>
-                </a:solidFill>
-                <a:highlight>
-                  <a:srgbClr val="FFFFFF"/>
-                </a:highlight>
-              </a:rPr>
-              <a:t>NetAspectAttribute</a:t>
-            </a:r>
-            <a:r>
-              <a:rPr lang="fr-FR" sz="1400" b="1" dirty="0" smtClean="0">
-                <a:solidFill>
-                  <a:srgbClr val="000000"/>
-                </a:solidFill>
-                <a:highlight>
-                  <a:srgbClr val="FFFFFF"/>
-                </a:highlight>
-              </a:rPr>
-              <a:t> </a:t>
-            </a:r>
-            <a:r>
-              <a:rPr lang="fr-FR" sz="1400" b="1" dirty="0" smtClean="0">
-                <a:solidFill>
-                  <a:srgbClr val="000080"/>
-                </a:solidFill>
-                <a:highlight>
-                  <a:srgbClr val="FFFFFF"/>
-                </a:highlight>
-              </a:rPr>
-              <a:t>=</a:t>
-            </a:r>
-            <a:r>
-              <a:rPr lang="fr-FR" sz="1400" b="1" dirty="0" smtClean="0">
-                <a:solidFill>
-                  <a:srgbClr val="000000"/>
-                </a:solidFill>
-                <a:highlight>
-                  <a:srgbClr val="FFFFFF"/>
-                </a:highlight>
-              </a:rPr>
-              <a:t> </a:t>
-            </a:r>
-            <a:r>
-              <a:rPr lang="fr-FR" sz="1400" b="1" dirty="0" err="1" smtClean="0">
-                <a:solidFill>
-                  <a:srgbClr val="0000FF"/>
-                </a:solidFill>
-                <a:highlight>
-                  <a:srgbClr val="FFFFFF"/>
-                </a:highlight>
-              </a:rPr>
-              <a:t>true</a:t>
-            </a:r>
-            <a:r>
-              <a:rPr lang="fr-FR" sz="1400" b="1" dirty="0" smtClean="0">
-                <a:solidFill>
-                  <a:srgbClr val="000080"/>
-                </a:solidFill>
-                <a:highlight>
-                  <a:srgbClr val="FFFFFF"/>
-                </a:highlight>
-              </a:rPr>
-              <a:t>;</a:t>
-            </a:r>
-            <a:endParaRPr lang="fr-FR" sz="1400" b="1" dirty="0" smtClean="0">
+              <a:rPr lang="fr-FR" sz="2900" b="1" dirty="0" smtClean="0">
+                <a:solidFill>
+                  <a:srgbClr val="000080"/>
+                </a:solidFill>
+                <a:highlight>
+                  <a:srgbClr val="FFFFFF"/>
+                </a:highlight>
+              </a:rPr>
+              <a:t>[</a:t>
+            </a:r>
+            <a:r>
+              <a:rPr lang="fr-FR" sz="2900" b="1" dirty="0" err="1" smtClean="0">
+                <a:solidFill>
+                  <a:srgbClr val="000000"/>
+                </a:solidFill>
+                <a:highlight>
+                  <a:srgbClr val="FFFFFF"/>
+                </a:highlight>
+              </a:rPr>
+              <a:t>MustBeAdmin</a:t>
+            </a:r>
+            <a:r>
+              <a:rPr lang="fr-FR" sz="2900" b="1" dirty="0" smtClean="0">
+                <a:solidFill>
+                  <a:srgbClr val="000080"/>
+                </a:solidFill>
+                <a:highlight>
+                  <a:srgbClr val="FFFFFF"/>
+                </a:highlight>
+              </a:rPr>
+              <a:t>]</a:t>
+            </a:r>
+            <a:endParaRPr lang="fr-FR" sz="2900" b="1" dirty="0" smtClean="0">
               <a:solidFill>
                 <a:srgbClr val="000000"/>
               </a:solidFill>
@@ -5565,7 +5015,142 @@
             </a:endParaRPr>
           </a:p>
           <a:p>
-            <a:endParaRPr lang="fr-FR" sz="1400" dirty="0" smtClean="0">
+            <a:pPr>
+              <a:buNone/>
+            </a:pPr>
+            <a:r>
+              <a:rPr lang="en-US" sz="2900" b="1" dirty="0" smtClean="0">
+                <a:solidFill>
+                  <a:srgbClr val="0000FF"/>
+                </a:solidFill>
+                <a:highlight>
+                  <a:srgbClr val="FFFFFF"/>
+                </a:highlight>
+              </a:rPr>
+              <a:t>public</a:t>
+            </a:r>
+            <a:r>
+              <a:rPr lang="en-US" sz="2900" b="1" dirty="0" smtClean="0">
+                <a:solidFill>
+                  <a:srgbClr val="000000"/>
+                </a:solidFill>
+                <a:highlight>
+                  <a:srgbClr val="FFFFFF"/>
+                </a:highlight>
+              </a:rPr>
+              <a:t> </a:t>
+            </a:r>
+            <a:r>
+              <a:rPr lang="en-US" sz="2900" b="1" dirty="0" smtClean="0">
+                <a:solidFill>
+                  <a:srgbClr val="8000FF"/>
+                </a:solidFill>
+                <a:highlight>
+                  <a:srgbClr val="FFFFFF"/>
+                </a:highlight>
+              </a:rPr>
+              <a:t>void</a:t>
+            </a:r>
+            <a:r>
+              <a:rPr lang="en-US" sz="2900" b="1" dirty="0" smtClean="0">
+                <a:solidFill>
+                  <a:srgbClr val="000000"/>
+                </a:solidFill>
+                <a:highlight>
+                  <a:srgbClr val="FFFFFF"/>
+                </a:highlight>
+              </a:rPr>
+              <a:t> </a:t>
+            </a:r>
+            <a:r>
+              <a:rPr lang="en-US" sz="2900" b="1" dirty="0" err="1" smtClean="0">
+                <a:solidFill>
+                  <a:srgbClr val="000000"/>
+                </a:solidFill>
+                <a:highlight>
+                  <a:srgbClr val="FFFFFF"/>
+                </a:highlight>
+              </a:rPr>
+              <a:t>CreatePerson</a:t>
+            </a:r>
+            <a:r>
+              <a:rPr lang="en-US" sz="2900" b="1" dirty="0" smtClean="0">
+                <a:solidFill>
+                  <a:srgbClr val="000080"/>
+                </a:solidFill>
+                <a:highlight>
+                  <a:srgbClr val="FFFFFF"/>
+                </a:highlight>
+              </a:rPr>
+              <a:t>([</a:t>
+            </a:r>
+            <a:r>
+              <a:rPr lang="en-US" sz="2900" b="1" dirty="0" err="1" smtClean="0">
+                <a:solidFill>
+                  <a:srgbClr val="000000"/>
+                </a:solidFill>
+                <a:highlight>
+                  <a:srgbClr val="FFFFFF"/>
+                </a:highlight>
+              </a:rPr>
+              <a:t>NotNull</a:t>
+            </a:r>
+            <a:r>
+              <a:rPr lang="en-US" sz="2900" b="1" dirty="0" smtClean="0">
+                <a:solidFill>
+                  <a:srgbClr val="000080"/>
+                </a:solidFill>
+                <a:highlight>
+                  <a:srgbClr val="FFFFFF"/>
+                </a:highlight>
+              </a:rPr>
+              <a:t>]</a:t>
+            </a:r>
+            <a:r>
+              <a:rPr lang="en-US" sz="2900" b="1" dirty="0" smtClean="0">
+                <a:solidFill>
+                  <a:srgbClr val="000000"/>
+                </a:solidFill>
+                <a:highlight>
+                  <a:srgbClr val="FFFFFF"/>
+                </a:highlight>
+              </a:rPr>
+              <a:t> </a:t>
+            </a:r>
+            <a:r>
+              <a:rPr lang="en-US" sz="2900" b="1" dirty="0" smtClean="0">
+                <a:solidFill>
+                  <a:srgbClr val="8000FF"/>
+                </a:solidFill>
+                <a:highlight>
+                  <a:srgbClr val="FFFFFF"/>
+                </a:highlight>
+              </a:rPr>
+              <a:t>string</a:t>
+            </a:r>
+            <a:r>
+              <a:rPr lang="en-US" sz="2900" b="1" dirty="0" smtClean="0">
+                <a:solidFill>
+                  <a:srgbClr val="000000"/>
+                </a:solidFill>
+                <a:highlight>
+                  <a:srgbClr val="FFFFFF"/>
+                </a:highlight>
+              </a:rPr>
+              <a:t> name</a:t>
+            </a:r>
+            <a:r>
+              <a:rPr lang="en-US" sz="2900" b="1" dirty="0" smtClean="0">
+                <a:solidFill>
+                  <a:srgbClr val="000080"/>
+                </a:solidFill>
+                <a:highlight>
+                  <a:srgbClr val="FFFFFF"/>
+                </a:highlight>
+              </a:rPr>
+              <a:t>)</a:t>
+            </a:r>
+            <a:endParaRPr lang="en-US" sz="2900" b="1" dirty="0" smtClean="0">
               <a:solidFill>
                 <a:srgbClr val="000000"/>
               </a:solidFill>
@@ -5579,171 +5164,17 @@
               <a:buNone/>
             </a:pPr>
             <a:r>
-              <a:rPr lang="en-US" sz="1400" dirty="0" smtClean="0">
-                <a:solidFill>
-                  <a:srgbClr val="000000"/>
-                </a:solidFill>
-                <a:highlight>
-                  <a:srgbClr val="FFFFFF"/>
-                </a:highlight>
-              </a:rPr>
-              <a:t>	 </a:t>
-            </a:r>
-            <a:r>
-              <a:rPr lang="en-US" sz="1400" b="1" dirty="0" smtClean="0">
-                <a:solidFill>
-                  <a:srgbClr val="0000FF"/>
-                </a:solidFill>
-                <a:highlight>
-                  <a:srgbClr val="FFFFFF"/>
-                </a:highlight>
-              </a:rPr>
-              <a:t>public</a:t>
-            </a:r>
-            <a:r>
-              <a:rPr lang="en-US" sz="1400" b="1" dirty="0" smtClean="0">
-                <a:solidFill>
-                  <a:srgbClr val="000000"/>
-                </a:solidFill>
-                <a:highlight>
-                  <a:srgbClr val="FFFFFF"/>
-                </a:highlight>
-              </a:rPr>
-              <a:t> </a:t>
-            </a:r>
-            <a:r>
-              <a:rPr lang="en-US" sz="1400" b="1" dirty="0" smtClean="0">
-                <a:solidFill>
-                  <a:srgbClr val="8000FF"/>
-                </a:solidFill>
-                <a:highlight>
-                  <a:srgbClr val="FFFFFF"/>
-                </a:highlight>
-              </a:rPr>
-              <a:t>void</a:t>
-            </a:r>
-            <a:r>
-              <a:rPr lang="en-US" sz="1400" b="1" dirty="0" smtClean="0">
-                <a:solidFill>
-                  <a:srgbClr val="000000"/>
-                </a:solidFill>
-                <a:highlight>
-                  <a:srgbClr val="FFFFFF"/>
-                </a:highlight>
-              </a:rPr>
-              <a:t> </a:t>
-            </a:r>
-            <a:r>
-              <a:rPr lang="en-US" sz="1400" b="1" dirty="0" err="1" smtClean="0">
-                <a:solidFill>
-                  <a:srgbClr val="000000"/>
-                </a:solidFill>
-                <a:highlight>
-                  <a:srgbClr val="FFFFFF"/>
-                </a:highlight>
-              </a:rPr>
-              <a:t>BeforeMethod</a:t>
-            </a:r>
-            <a:r>
-              <a:rPr lang="en-US" sz="1400" b="1" dirty="0" smtClean="0">
-                <a:solidFill>
-                  <a:srgbClr val="000080"/>
-                </a:solidFill>
-                <a:highlight>
-                  <a:srgbClr val="FFFFFF"/>
-                </a:highlight>
-              </a:rPr>
-              <a:t>(</a:t>
-            </a:r>
-            <a:r>
-              <a:rPr lang="en-US" sz="1400" b="1" dirty="0" err="1" smtClean="0">
-                <a:solidFill>
-                  <a:srgbClr val="000000"/>
-                </a:solidFill>
-                <a:highlight>
-                  <a:srgbClr val="FFFFFF"/>
-                </a:highlight>
-              </a:rPr>
-              <a:t>MethodBase</a:t>
-            </a:r>
-            <a:r>
-              <a:rPr lang="en-US" sz="1400" b="1" dirty="0" smtClean="0">
-                <a:solidFill>
-                  <a:srgbClr val="000000"/>
-                </a:solidFill>
-                <a:highlight>
-                  <a:srgbClr val="FFFFFF"/>
-                </a:highlight>
-              </a:rPr>
-              <a:t> method</a:t>
-            </a:r>
-            <a:r>
-              <a:rPr lang="en-US" sz="1400" b="1" dirty="0" smtClean="0">
-                <a:solidFill>
-                  <a:srgbClr val="000080"/>
-                </a:solidFill>
-                <a:highlight>
-                  <a:srgbClr val="FFFFFF"/>
-                </a:highlight>
-              </a:rPr>
-              <a:t>,</a:t>
-            </a:r>
-            <a:r>
-              <a:rPr lang="en-US" sz="1400" b="1" dirty="0" smtClean="0">
-                <a:solidFill>
-                  <a:srgbClr val="000000"/>
-                </a:solidFill>
-                <a:highlight>
-                  <a:srgbClr val="FFFFFF"/>
-                </a:highlight>
-              </a:rPr>
-              <a:t> </a:t>
-            </a:r>
-            <a:r>
-              <a:rPr lang="en-US" sz="1400" b="1" dirty="0" smtClean="0">
-                <a:solidFill>
-                  <a:srgbClr val="0000FF"/>
-                </a:solidFill>
-                <a:highlight>
-                  <a:srgbClr val="FFFFFF"/>
-                </a:highlight>
-              </a:rPr>
-              <a:t>object</a:t>
-            </a:r>
-            <a:r>
-              <a:rPr lang="en-US" sz="1400" b="1" dirty="0" smtClean="0">
-                <a:solidFill>
-                  <a:srgbClr val="000080"/>
-                </a:solidFill>
-                <a:highlight>
-                  <a:srgbClr val="FFFFFF"/>
-                </a:highlight>
-              </a:rPr>
-              <a:t>[]</a:t>
-            </a:r>
-            <a:r>
-              <a:rPr lang="en-US" sz="1400" b="1" dirty="0" smtClean="0">
-                <a:solidFill>
-                  <a:srgbClr val="000000"/>
-                </a:solidFill>
-                <a:highlight>
-                  <a:srgbClr val="FFFFFF"/>
-                </a:highlight>
-              </a:rPr>
-              <a:t> parameters</a:t>
-            </a:r>
-            <a:r>
-              <a:rPr lang="en-US" sz="1400" b="1" dirty="0" smtClean="0">
-                <a:solidFill>
-                  <a:srgbClr val="000080"/>
-                </a:solidFill>
-                <a:highlight>
-                  <a:srgbClr val="FFFFFF"/>
-                </a:highlight>
-              </a:rPr>
-              <a:t>)</a:t>
-            </a:r>
-            <a:endParaRPr lang="en-US" sz="1400" b="1" dirty="0" smtClean="0">
+              <a:rPr lang="fr-FR" sz="2900" b="1" dirty="0" smtClean="0">
+                <a:solidFill>
+                  <a:srgbClr val="000080"/>
+                </a:solidFill>
+                <a:highlight>
+                  <a:srgbClr val="FFFFFF"/>
+                </a:highlight>
+              </a:rPr>
+              <a:t>{</a:t>
+            </a:r>
+            <a:endParaRPr lang="fr-FR" sz="2900" b="1" dirty="0" smtClean="0">
               <a:solidFill>
                 <a:srgbClr val="000000"/>
               </a:solidFill>
@@ -5757,28 +5188,116 @@
               <a:buNone/>
             </a:pPr>
             <a:r>
-              <a:rPr lang="fr-FR" sz="1400" dirty="0" smtClean="0">
-                <a:solidFill>
-                  <a:srgbClr val="000000"/>
-                </a:solidFill>
-                <a:highlight>
-                  <a:srgbClr val="FFFFFF"/>
-                </a:highlight>
-              </a:rPr>
-              <a:t>	 </a:t>
-            </a:r>
-            <a:r>
-              <a:rPr lang="fr-FR" sz="1400" b="1" dirty="0" smtClean="0">
-                <a:solidFill>
-                  <a:srgbClr val="000080"/>
-                </a:solidFill>
-                <a:highlight>
-                  <a:srgbClr val="FFFFFF"/>
-                </a:highlight>
-              </a:rPr>
-              <a:t>{</a:t>
-            </a:r>
-            <a:endParaRPr lang="fr-FR" sz="1400" b="1" dirty="0" smtClean="0">
+              <a:rPr lang="fr-FR" sz="2900" dirty="0" smtClean="0">
+                <a:solidFill>
+                  <a:srgbClr val="000000"/>
+                </a:solidFill>
+                <a:highlight>
+                  <a:srgbClr val="FFFFFF"/>
+                </a:highlight>
+              </a:rPr>
+              <a:t>	</a:t>
+            </a:r>
+            <a:r>
+              <a:rPr lang="fr-FR" sz="2900" dirty="0" err="1" smtClean="0">
+                <a:solidFill>
+                  <a:srgbClr val="000000"/>
+                </a:solidFill>
+                <a:highlight>
+                  <a:srgbClr val="FFFFFF"/>
+                </a:highlight>
+              </a:rPr>
+              <a:t>personDao</a:t>
+            </a:r>
+            <a:r>
+              <a:rPr lang="fr-FR" sz="2900" b="1" dirty="0" err="1" smtClean="0">
+                <a:solidFill>
+                  <a:srgbClr val="000080"/>
+                </a:solidFill>
+                <a:highlight>
+                  <a:srgbClr val="FFFFFF"/>
+                </a:highlight>
+              </a:rPr>
+              <a:t>.</a:t>
+            </a:r>
+            <a:r>
+              <a:rPr lang="fr-FR" sz="2900" b="1" dirty="0" err="1" smtClean="0">
+                <a:solidFill>
+                  <a:srgbClr val="000000"/>
+                </a:solidFill>
+                <a:highlight>
+                  <a:srgbClr val="FFFFFF"/>
+                </a:highlight>
+              </a:rPr>
+              <a:t>Create</a:t>
+            </a:r>
+            <a:r>
+              <a:rPr lang="fr-FR" sz="2900" b="1" dirty="0" smtClean="0">
+                <a:solidFill>
+                  <a:srgbClr val="000080"/>
+                </a:solidFill>
+                <a:highlight>
+                  <a:srgbClr val="FFFFFF"/>
+                </a:highlight>
+              </a:rPr>
+              <a:t>(</a:t>
+            </a:r>
+            <a:r>
+              <a:rPr lang="fr-FR" sz="2900" b="1" dirty="0" smtClean="0">
+                <a:solidFill>
+                  <a:srgbClr val="0000FF"/>
+                </a:solidFill>
+                <a:highlight>
+                  <a:srgbClr val="FFFFFF"/>
+                </a:highlight>
+              </a:rPr>
+              <a:t>new</a:t>
+            </a:r>
+            <a:r>
+              <a:rPr lang="fr-FR" sz="2900" b="1" dirty="0" smtClean="0">
+                <a:solidFill>
+                  <a:srgbClr val="000000"/>
+                </a:solidFill>
+                <a:highlight>
+                  <a:srgbClr val="FFFFFF"/>
+                </a:highlight>
+              </a:rPr>
+              <a:t> Person</a:t>
+            </a:r>
+            <a:r>
+              <a:rPr lang="fr-FR" sz="2900" b="1" dirty="0" smtClean="0">
+                <a:solidFill>
+                  <a:srgbClr val="000080"/>
+                </a:solidFill>
+                <a:highlight>
+                  <a:srgbClr val="FFFFFF"/>
+                </a:highlight>
+              </a:rPr>
+              <a:t>(</a:t>
+            </a:r>
+            <a:r>
+              <a:rPr lang="fr-FR" sz="2900" b="1" dirty="0" err="1" smtClean="0">
+                <a:solidFill>
+                  <a:srgbClr val="000000"/>
+                </a:solidFill>
+                <a:highlight>
+                  <a:srgbClr val="FFFFFF"/>
+                </a:highlight>
+              </a:rPr>
+              <a:t>name</a:t>
+            </a:r>
+            <a:r>
+              <a:rPr lang="fr-FR" sz="2900" b="1" dirty="0" smtClean="0">
+                <a:solidFill>
+                  <a:srgbClr val="000080"/>
+                </a:solidFill>
+                <a:highlight>
+                  <a:srgbClr val="FFFFFF"/>
+                </a:highlight>
+              </a:rPr>
+              <a:t>));</a:t>
+            </a:r>
+            <a:endParaRPr lang="fr-FR" sz="2900" b="1" dirty="0" smtClean="0">
               <a:solidFill>
                 <a:srgbClr val="000000"/>
               </a:solidFill>
@@ -5792,350 +5311,7 @@
               <a:buNone/>
             </a:pPr>
             <a:r>
-              <a:rPr lang="fr-FR" sz="1400" dirty="0" smtClean="0">
-                <a:solidFill>
-                  <a:srgbClr val="000000"/>
-                </a:solidFill>
-                <a:highlight>
-                  <a:srgbClr val="FFFFFF"/>
-                </a:highlight>
-              </a:rPr>
-              <a:t>		</a:t>
-            </a:r>
-            <a:r>
-              <a:rPr lang="fr-FR" sz="1400" dirty="0" err="1" smtClean="0">
-                <a:solidFill>
-                  <a:srgbClr val="000000"/>
-                </a:solidFill>
-                <a:highlight>
-                  <a:srgbClr val="FFFFFF"/>
-                </a:highlight>
-              </a:rPr>
-              <a:t>Logger</a:t>
-            </a:r>
-            <a:r>
-              <a:rPr lang="fr-FR" sz="1400" b="1" dirty="0" err="1" smtClean="0">
-                <a:solidFill>
-                  <a:srgbClr val="000080"/>
-                </a:solidFill>
-                <a:highlight>
-                  <a:srgbClr val="FFFFFF"/>
-                </a:highlight>
-              </a:rPr>
-              <a:t>.</a:t>
-            </a:r>
-            <a:r>
-              <a:rPr lang="fr-FR" sz="1400" b="1" dirty="0" err="1" smtClean="0">
-                <a:solidFill>
-                  <a:srgbClr val="000000"/>
-                </a:solidFill>
-                <a:highlight>
-                  <a:srgbClr val="FFFFFF"/>
-                </a:highlight>
-              </a:rPr>
-              <a:t>Log</a:t>
-            </a:r>
-            <a:r>
-              <a:rPr lang="fr-FR" sz="1400" b="1" dirty="0" smtClean="0">
-                <a:solidFill>
-                  <a:srgbClr val="000080"/>
-                </a:solidFill>
-                <a:highlight>
-                  <a:srgbClr val="FFFFFF"/>
-                </a:highlight>
-              </a:rPr>
-              <a:t>(</a:t>
-            </a:r>
-            <a:r>
-              <a:rPr lang="fr-FR" sz="1400" b="1" dirty="0" smtClean="0">
-                <a:solidFill>
-                  <a:srgbClr val="808080"/>
-                </a:solidFill>
-                <a:highlight>
-                  <a:srgbClr val="FFFFFF"/>
-                </a:highlight>
-              </a:rPr>
-              <a:t>"{0} : {1}"</a:t>
-            </a:r>
-            <a:r>
-              <a:rPr lang="fr-FR" sz="1400" b="1" dirty="0" smtClean="0">
-                <a:solidFill>
-                  <a:srgbClr val="000080"/>
-                </a:solidFill>
-                <a:highlight>
-                  <a:srgbClr val="FFFFFF"/>
-                </a:highlight>
-              </a:rPr>
-              <a:t>,</a:t>
-            </a:r>
-            <a:r>
-              <a:rPr lang="fr-FR" sz="1400" b="1" dirty="0" smtClean="0">
-                <a:solidFill>
-                  <a:srgbClr val="000000"/>
-                </a:solidFill>
-                <a:highlight>
-                  <a:srgbClr val="FFFFFF"/>
-                </a:highlight>
-              </a:rPr>
-              <a:t> </a:t>
-            </a:r>
-            <a:r>
-              <a:rPr lang="fr-FR" sz="1400" b="1" dirty="0" err="1" smtClean="0">
-                <a:solidFill>
-                  <a:srgbClr val="000000"/>
-                </a:solidFill>
-                <a:highlight>
-                  <a:srgbClr val="FFFFFF"/>
-                </a:highlight>
-              </a:rPr>
-              <a:t>method</a:t>
-            </a:r>
-            <a:r>
-              <a:rPr lang="fr-FR" sz="1400" b="1" dirty="0" err="1" smtClean="0">
-                <a:solidFill>
-                  <a:srgbClr val="000080"/>
-                </a:solidFill>
-                <a:highlight>
-                  <a:srgbClr val="FFFFFF"/>
-                </a:highlight>
-              </a:rPr>
-              <a:t>.</a:t>
-            </a:r>
-            <a:r>
-              <a:rPr lang="fr-FR" sz="1400" b="1" dirty="0" err="1" smtClean="0">
-                <a:solidFill>
-                  <a:srgbClr val="000000"/>
-                </a:solidFill>
-                <a:highlight>
-                  <a:srgbClr val="FFFFFF"/>
-                </a:highlight>
-              </a:rPr>
-              <a:t>Name</a:t>
-            </a:r>
-            <a:r>
-              <a:rPr lang="fr-FR" sz="1400" b="1" dirty="0" smtClean="0">
-                <a:solidFill>
-                  <a:srgbClr val="000080"/>
-                </a:solidFill>
-                <a:highlight>
-                  <a:srgbClr val="FFFFFF"/>
-                </a:highlight>
-              </a:rPr>
-              <a:t>,</a:t>
-            </a:r>
-            <a:r>
-              <a:rPr lang="fr-FR" sz="1400" b="1" dirty="0" smtClean="0">
-                <a:solidFill>
-                  <a:srgbClr val="000000"/>
-                </a:solidFill>
-                <a:highlight>
-                  <a:srgbClr val="FFFFFF"/>
-                </a:highlight>
-              </a:rPr>
-              <a:t> </a:t>
-            </a:r>
-            <a:r>
-              <a:rPr lang="fr-FR" sz="1400" b="1" dirty="0" err="1" smtClean="0">
-                <a:solidFill>
-                  <a:srgbClr val="8000FF"/>
-                </a:solidFill>
-                <a:highlight>
-                  <a:srgbClr val="FFFFFF"/>
-                </a:highlight>
-              </a:rPr>
-              <a:t>string</a:t>
-            </a:r>
-            <a:r>
-              <a:rPr lang="fr-FR" sz="1400" b="1" dirty="0" err="1" smtClean="0">
-                <a:solidFill>
-                  <a:srgbClr val="000080"/>
-                </a:solidFill>
-                <a:highlight>
-                  <a:srgbClr val="FFFFFF"/>
-                </a:highlight>
-              </a:rPr>
-              <a:t>.</a:t>
-            </a:r>
-            <a:r>
-              <a:rPr lang="fr-FR" sz="1400" b="1" dirty="0" err="1" smtClean="0">
-                <a:solidFill>
-                  <a:srgbClr val="000000"/>
-                </a:solidFill>
-                <a:highlight>
-                  <a:srgbClr val="FFFFFF"/>
-                </a:highlight>
-              </a:rPr>
-              <a:t>Join</a:t>
-            </a:r>
-            <a:r>
-              <a:rPr lang="fr-FR" sz="1400" b="1" dirty="0" smtClean="0">
-                <a:solidFill>
-                  <a:srgbClr val="000080"/>
-                </a:solidFill>
-                <a:highlight>
-                  <a:srgbClr val="FFFFFF"/>
-                </a:highlight>
-              </a:rPr>
-              <a:t>(</a:t>
-            </a:r>
-            <a:r>
-              <a:rPr lang="fr-FR" sz="1400" b="1" dirty="0" smtClean="0">
-                <a:solidFill>
-                  <a:srgbClr val="808080"/>
-                </a:solidFill>
-                <a:highlight>
-                  <a:srgbClr val="FFFFFF"/>
-                </a:highlight>
-              </a:rPr>
-              <a:t>","</a:t>
-            </a:r>
-            <a:r>
-              <a:rPr lang="fr-FR" sz="1400" b="1" dirty="0" smtClean="0">
-                <a:solidFill>
-                  <a:srgbClr val="000080"/>
-                </a:solidFill>
-                <a:highlight>
-                  <a:srgbClr val="FFFFFF"/>
-                </a:highlight>
-              </a:rPr>
-              <a:t>,</a:t>
-            </a:r>
-            <a:r>
-              <a:rPr lang="fr-FR" sz="1400" b="1" dirty="0" smtClean="0">
-                <a:solidFill>
-                  <a:srgbClr val="000000"/>
-                </a:solidFill>
-                <a:highlight>
-                  <a:srgbClr val="FFFFFF"/>
-                </a:highlight>
-              </a:rPr>
-              <a:t> </a:t>
-            </a:r>
-            <a:r>
-              <a:rPr lang="fr-FR" sz="1400" b="1" dirty="0" err="1" smtClean="0">
-                <a:solidFill>
-                  <a:srgbClr val="000000"/>
-                </a:solidFill>
-                <a:highlight>
-                  <a:srgbClr val="FFFFFF"/>
-                </a:highlight>
-              </a:rPr>
-              <a:t>parameters</a:t>
-            </a:r>
-            <a:r>
-              <a:rPr lang="fr-FR" sz="1400" b="1" dirty="0" err="1" smtClean="0">
-                <a:solidFill>
-                  <a:srgbClr val="000080"/>
-                </a:solidFill>
-                <a:highlight>
-                  <a:srgbClr val="FFFFFF"/>
-                </a:highlight>
-              </a:rPr>
-              <a:t>.</a:t>
-            </a:r>
-            <a:r>
-              <a:rPr lang="fr-FR" sz="1400" b="1" dirty="0" err="1" smtClean="0">
-                <a:solidFill>
-                  <a:srgbClr val="000000"/>
-                </a:solidFill>
-                <a:highlight>
-                  <a:srgbClr val="FFFFFF"/>
-                </a:highlight>
-              </a:rPr>
-              <a:t>Select</a:t>
-            </a:r>
-            <a:r>
-              <a:rPr lang="fr-FR" sz="1400" b="1" dirty="0" smtClean="0">
-                <a:solidFill>
-                  <a:srgbClr val="000080"/>
-                </a:solidFill>
-                <a:highlight>
-                  <a:srgbClr val="FFFFFF"/>
-                </a:highlight>
-              </a:rPr>
-              <a:t>(</a:t>
-            </a:r>
-            <a:r>
-              <a:rPr lang="fr-FR" sz="1400" b="1" dirty="0" err="1" smtClean="0">
-                <a:solidFill>
-                  <a:srgbClr val="000000"/>
-                </a:solidFill>
-                <a:highlight>
-                  <a:srgbClr val="FFFFFF"/>
-                </a:highlight>
-              </a:rPr>
-              <a:t>p</a:t>
-            </a:r>
-            <a:r>
-              <a:rPr lang="fr-FR" sz="1400" b="1" dirty="0" err="1" smtClean="0">
-                <a:solidFill>
-                  <a:srgbClr val="000080"/>
-                </a:solidFill>
-                <a:highlight>
-                  <a:srgbClr val="FFFFFF"/>
-                </a:highlight>
-              </a:rPr>
-              <a:t>.</a:t>
-            </a:r>
-            <a:r>
-              <a:rPr lang="fr-FR" sz="1400" b="1" dirty="0" err="1" smtClean="0">
-                <a:solidFill>
-                  <a:srgbClr val="000000"/>
-                </a:solidFill>
-                <a:highlight>
-                  <a:srgbClr val="FFFFFF"/>
-                </a:highlight>
-              </a:rPr>
-              <a:t>ToString</a:t>
-            </a:r>
-            <a:r>
-              <a:rPr lang="fr-FR" sz="1400" b="1" dirty="0" smtClean="0">
-                <a:solidFill>
-                  <a:srgbClr val="000000"/>
-                </a:solidFill>
-                <a:highlight>
-                  <a:srgbClr val="FFFFFF"/>
-                </a:highlight>
-              </a:rPr>
-              <a:t>()</a:t>
-            </a:r>
-            <a:r>
-              <a:rPr lang="fr-FR" sz="1400" b="1" dirty="0" smtClean="0">
-                <a:solidFill>
-                  <a:srgbClr val="000080"/>
-                </a:solidFill>
-                <a:highlight>
-                  <a:srgbClr val="FFFFFF"/>
-                </a:highlight>
-              </a:rPr>
-              <a:t>));</a:t>
-            </a:r>
-            <a:endParaRPr lang="fr-FR" sz="1400" b="1" dirty="0" smtClean="0">
-              <a:solidFill>
-                <a:srgbClr val="000000"/>
-              </a:solidFill>
-              <a:highlight>
-                <a:srgbClr val="FFFFFF"/>
-              </a:highlight>
-            </a:endParaRPr>
-          </a:p>
-          <a:p>
-            <a:pPr>
-              <a:buNone/>
-            </a:pPr>
-            <a:r>
-              <a:rPr lang="fr-FR" sz="1400" dirty="0" smtClean="0">
-                <a:solidFill>
-                  <a:srgbClr val="000000"/>
-                </a:solidFill>
-                <a:highlight>
-                  <a:srgbClr val="FFFFFF"/>
-                </a:highlight>
-              </a:rPr>
-              <a:t>	 </a:t>
-            </a:r>
-            <a:r>
-              <a:rPr lang="fr-FR" sz="1400" b="1" dirty="0" smtClean="0">
+              <a:rPr lang="fr-FR" sz="2900" b="1" dirty="0" smtClean="0">
                 <a:solidFill>
                   <a:srgbClr val="000080"/>
                 </a:solidFill>
@@ -6145,31 +5321,7 @@
               </a:rPr>
               <a:t>}</a:t>
             </a:r>
-            <a:endParaRPr lang="fr-FR" sz="1400" b="1" dirty="0" smtClean="0">
-              <a:solidFill>
-                <a:srgbClr val="000000"/>
-              </a:solidFill>
-              <a:highlight>
-                <a:srgbClr val="FFFFFF"/>
-              </a:highlight>
-            </a:endParaRPr>
-          </a:p>
-          <a:p>
-            <a:pPr>
-              <a:buNone/>
-            </a:pPr>
-            <a:r>
-              <a:rPr lang="fr-FR" sz="1400" b="1" dirty="0" smtClean="0">
-                <a:solidFill>
-                  <a:srgbClr val="000080"/>
-                </a:solidFill>
-                <a:highlight>
-                  <a:srgbClr val="FFFFFF"/>
-                </a:highlight>
-              </a:rPr>
-              <a:t>}</a:t>
-            </a:r>
-            <a:endParaRPr lang="fr-FR" sz="1400" dirty="0"/>
+            <a:endParaRPr lang="fr-FR" sz="2900" dirty="0"/>
           </a:p>
         </p:txBody>
       </p:sp>
@@ -6221,8 +5373,8 @@
           <a:lstStyle/>
           <a:p>
             <a:r>
-              <a:rPr lang="fr-FR" dirty="0" smtClean="0"/>
-              <a:t>Possibilités</a:t>
+              <a:rPr lang="fr-FR" dirty="0" err="1" smtClean="0"/>
+              <a:t>NetAspect</a:t>
             </a:r>
             <a:endParaRPr lang="fr-FR" dirty="0"/>
           </a:p>
@@ -6241,82 +5393,912 @@
         <p:spPr/>
         <p:txBody>
           <a:bodyPr>
-            <a:normAutofit lnSpcReduction="10000"/>
+            <a:normAutofit/>
           </a:bodyPr>
           <a:lstStyle/>
           <a:p>
             <a:r>
-              <a:rPr lang="fr-FR" dirty="0" smtClean="0"/>
-              <a:t>Mettre un aspect sur :</a:t>
-            </a:r>
-          </a:p>
-          <a:p>
-            <a:pPr lvl="1"/>
-            <a:r>
-              <a:rPr lang="fr-FR" dirty="0" smtClean="0"/>
-              <a:t>Les paramètres des méthodes</a:t>
-            </a:r>
-          </a:p>
-          <a:p>
-            <a:pPr lvl="1"/>
-            <a:r>
-              <a:rPr lang="fr-FR" dirty="0" smtClean="0"/>
-              <a:t>Les appels à des méthodes/</a:t>
-            </a:r>
-            <a:r>
-              <a:rPr lang="fr-FR" dirty="0" err="1" smtClean="0"/>
-              <a:t>fields</a:t>
-            </a:r>
-            <a:r>
-              <a:rPr lang="fr-FR" dirty="0" smtClean="0"/>
-              <a:t>/constructeurs</a:t>
-            </a:r>
-          </a:p>
-          <a:p>
-            <a:pPr lvl="1"/>
-            <a:r>
-              <a:rPr lang="fr-FR" dirty="0" smtClean="0"/>
-              <a:t>Les méthodes/constructeurs</a:t>
-            </a:r>
-          </a:p>
-          <a:p>
-            <a:r>
-              <a:rPr lang="fr-FR" dirty="0" smtClean="0"/>
-              <a:t>Récupérer des informations comme</a:t>
-            </a:r>
-          </a:p>
-          <a:p>
-            <a:pPr lvl="1"/>
-            <a:r>
-              <a:rPr lang="fr-FR" dirty="0" smtClean="0"/>
-              <a:t>La méthode</a:t>
-            </a:r>
-          </a:p>
-          <a:p>
-            <a:pPr lvl="1"/>
-            <a:r>
-              <a:rPr lang="fr-FR" dirty="0" smtClean="0"/>
-              <a:t>Les paramètres</a:t>
-            </a:r>
-          </a:p>
-          <a:p>
-            <a:pPr lvl="1"/>
-            <a:r>
-              <a:rPr lang="fr-FR" dirty="0" smtClean="0"/>
-              <a:t>Infos du fichier</a:t>
-            </a:r>
-          </a:p>
-          <a:p>
-            <a:pPr lvl="1"/>
-            <a:r>
-              <a:rPr lang="fr-FR" dirty="0" err="1" smtClean="0"/>
-              <a:t>Etc</a:t>
-            </a:r>
-            <a:r>
-              <a:rPr lang="fr-FR" dirty="0" smtClean="0"/>
-              <a:t>…</a:t>
-            </a:r>
-            <a:endParaRPr lang="fr-FR" dirty="0"/>
+              <a:rPr lang="fr-FR" sz="4100" dirty="0" smtClean="0"/>
+              <a:t>L’aspect </a:t>
+            </a:r>
+            <a:r>
+              <a:rPr lang="fr-FR" sz="4100" dirty="0" err="1" smtClean="0"/>
+              <a:t>Loggable</a:t>
+            </a:r>
+            <a:r>
+              <a:rPr lang="fr-FR" sz="4100" dirty="0" smtClean="0"/>
+              <a:t>:</a:t>
+            </a:r>
+          </a:p>
+          <a:p>
+            <a:pPr>
+              <a:buNone/>
+            </a:pPr>
+            <a:endParaRPr lang="fr-FR" dirty="0" smtClean="0">
+              <a:solidFill>
+                <a:srgbClr val="000000"/>
+              </a:solidFill>
+              <a:highlight>
+                <a:srgbClr val="FFFFFF"/>
+              </a:highlight>
+            </a:endParaRPr>
+          </a:p>
+          <a:p>
+            <a:pPr>
+              <a:buNone/>
+            </a:pPr>
+            <a:r>
+              <a:rPr lang="fr-FR" sz="1400" b="1" dirty="0" smtClean="0">
+                <a:solidFill>
+                  <a:srgbClr val="0000FF"/>
+                </a:solidFill>
+                <a:highlight>
+                  <a:srgbClr val="FFFFFF"/>
+                </a:highlight>
+              </a:rPr>
+              <a:t>public</a:t>
+            </a:r>
+            <a:r>
+              <a:rPr lang="fr-FR" sz="1400" b="1" dirty="0" smtClean="0">
+                <a:solidFill>
+                  <a:srgbClr val="000000"/>
+                </a:solidFill>
+                <a:highlight>
+                  <a:srgbClr val="FFFFFF"/>
+                </a:highlight>
+              </a:rPr>
+              <a:t> </a:t>
+            </a:r>
+            <a:r>
+              <a:rPr lang="fr-FR" sz="1400" b="1" dirty="0" smtClean="0">
+                <a:solidFill>
+                  <a:srgbClr val="8000FF"/>
+                </a:solidFill>
+                <a:highlight>
+                  <a:srgbClr val="FFFFFF"/>
+                </a:highlight>
+              </a:rPr>
+              <a:t>class</a:t>
+            </a:r>
+            <a:r>
+              <a:rPr lang="fr-FR" sz="1400" b="1" dirty="0" smtClean="0">
+                <a:solidFill>
+                  <a:srgbClr val="000000"/>
+                </a:solidFill>
+                <a:highlight>
+                  <a:srgbClr val="FFFFFF"/>
+                </a:highlight>
+              </a:rPr>
+              <a:t> </a:t>
+            </a:r>
+            <a:r>
+              <a:rPr lang="fr-FR" sz="1400" b="1" dirty="0" err="1" smtClean="0">
+                <a:solidFill>
+                  <a:srgbClr val="000000"/>
+                </a:solidFill>
+                <a:highlight>
+                  <a:srgbClr val="FFFFFF"/>
+                </a:highlight>
+              </a:rPr>
+              <a:t>LoggableAttribute</a:t>
+            </a:r>
+            <a:r>
+              <a:rPr lang="fr-FR" sz="1400" b="1" dirty="0" smtClean="0">
+                <a:solidFill>
+                  <a:srgbClr val="000000"/>
+                </a:solidFill>
+                <a:highlight>
+                  <a:srgbClr val="FFFFFF"/>
+                </a:highlight>
+              </a:rPr>
+              <a:t> </a:t>
+            </a:r>
+            <a:r>
+              <a:rPr lang="fr-FR" sz="1400" b="1" dirty="0" smtClean="0">
+                <a:solidFill>
+                  <a:srgbClr val="000080"/>
+                </a:solidFill>
+                <a:highlight>
+                  <a:srgbClr val="FFFFFF"/>
+                </a:highlight>
+              </a:rPr>
+              <a:t>:</a:t>
+            </a:r>
+            <a:r>
+              <a:rPr lang="fr-FR" sz="1400" b="1" dirty="0" smtClean="0">
+                <a:solidFill>
+                  <a:srgbClr val="000000"/>
+                </a:solidFill>
+                <a:highlight>
+                  <a:srgbClr val="FFFFFF"/>
+                </a:highlight>
+              </a:rPr>
+              <a:t> </a:t>
+            </a:r>
+            <a:r>
+              <a:rPr lang="fr-FR" sz="1400" b="1" dirty="0" err="1" smtClean="0">
+                <a:solidFill>
+                  <a:srgbClr val="000000"/>
+                </a:solidFill>
+                <a:highlight>
+                  <a:srgbClr val="FFFFFF"/>
+                </a:highlight>
+              </a:rPr>
+              <a:t>Attribute</a:t>
+            </a:r>
+            <a:endParaRPr lang="fr-FR" sz="1400" b="1" dirty="0" smtClean="0">
+              <a:solidFill>
+                <a:srgbClr val="000000"/>
+              </a:solidFill>
+              <a:highlight>
+                <a:srgbClr val="FFFFFF"/>
+              </a:highlight>
+            </a:endParaRPr>
+          </a:p>
+          <a:p>
+            <a:pPr>
+              <a:buNone/>
+            </a:pPr>
+            <a:r>
+              <a:rPr lang="fr-FR" sz="1400" b="1" dirty="0" smtClean="0">
+                <a:solidFill>
+                  <a:srgbClr val="000080"/>
+                </a:solidFill>
+                <a:highlight>
+                  <a:srgbClr val="FFFFFF"/>
+                </a:highlight>
+              </a:rPr>
+              <a:t>{</a:t>
+            </a:r>
+            <a:endParaRPr lang="fr-FR" sz="1400" b="1" dirty="0" smtClean="0">
+              <a:solidFill>
+                <a:srgbClr val="000000"/>
+              </a:solidFill>
+              <a:highlight>
+                <a:srgbClr val="FFFFFF"/>
+              </a:highlight>
+            </a:endParaRPr>
+          </a:p>
+          <a:p>
+            <a:pPr>
+              <a:buNone/>
+            </a:pPr>
+            <a:r>
+              <a:rPr lang="fr-FR" sz="1400" dirty="0" smtClean="0">
+                <a:solidFill>
+                  <a:srgbClr val="000000"/>
+                </a:solidFill>
+                <a:highlight>
+                  <a:srgbClr val="FFFFFF"/>
+                </a:highlight>
+              </a:rPr>
+              <a:t>	 </a:t>
+            </a:r>
+            <a:r>
+              <a:rPr lang="fr-FR" sz="1400" b="1" dirty="0" smtClean="0">
+                <a:solidFill>
+                  <a:srgbClr val="0000FF"/>
+                </a:solidFill>
+                <a:highlight>
+                  <a:srgbClr val="FFFFFF"/>
+                </a:highlight>
+              </a:rPr>
+              <a:t>public</a:t>
+            </a:r>
+            <a:r>
+              <a:rPr lang="fr-FR" sz="1400" b="1" dirty="0" smtClean="0">
+                <a:solidFill>
+                  <a:srgbClr val="000000"/>
+                </a:solidFill>
+                <a:highlight>
+                  <a:srgbClr val="FFFFFF"/>
+                </a:highlight>
+              </a:rPr>
+              <a:t> </a:t>
+            </a:r>
+            <a:r>
+              <a:rPr lang="fr-FR" sz="1400" b="1" dirty="0" err="1" smtClean="0">
+                <a:solidFill>
+                  <a:srgbClr val="8000FF"/>
+                </a:solidFill>
+                <a:highlight>
+                  <a:srgbClr val="FFFFFF"/>
+                </a:highlight>
+              </a:rPr>
+              <a:t>bool</a:t>
+            </a:r>
+            <a:r>
+              <a:rPr lang="fr-FR" sz="1400" b="1" dirty="0" smtClean="0">
+                <a:solidFill>
+                  <a:srgbClr val="000000"/>
+                </a:solidFill>
+                <a:highlight>
+                  <a:srgbClr val="FFFFFF"/>
+                </a:highlight>
+              </a:rPr>
+              <a:t> </a:t>
+            </a:r>
+            <a:r>
+              <a:rPr lang="fr-FR" sz="1400" b="1" dirty="0" err="1" smtClean="0">
+                <a:solidFill>
+                  <a:srgbClr val="000000"/>
+                </a:solidFill>
+                <a:highlight>
+                  <a:srgbClr val="FFFFFF"/>
+                </a:highlight>
+              </a:rPr>
+              <a:t>NetAspectAttribute</a:t>
+            </a:r>
+            <a:r>
+              <a:rPr lang="fr-FR" sz="1400" b="1" dirty="0" smtClean="0">
+                <a:solidFill>
+                  <a:srgbClr val="000000"/>
+                </a:solidFill>
+                <a:highlight>
+                  <a:srgbClr val="FFFFFF"/>
+                </a:highlight>
+              </a:rPr>
+              <a:t> </a:t>
+            </a:r>
+            <a:r>
+              <a:rPr lang="fr-FR" sz="1400" b="1" dirty="0" smtClean="0">
+                <a:solidFill>
+                  <a:srgbClr val="000080"/>
+                </a:solidFill>
+                <a:highlight>
+                  <a:srgbClr val="FFFFFF"/>
+                </a:highlight>
+              </a:rPr>
+              <a:t>=</a:t>
+            </a:r>
+            <a:r>
+              <a:rPr lang="fr-FR" sz="1400" b="1" dirty="0" smtClean="0">
+                <a:solidFill>
+                  <a:srgbClr val="000000"/>
+                </a:solidFill>
+                <a:highlight>
+                  <a:srgbClr val="FFFFFF"/>
+                </a:highlight>
+              </a:rPr>
+              <a:t> </a:t>
+            </a:r>
+            <a:r>
+              <a:rPr lang="fr-FR" sz="1400" b="1" dirty="0" err="1" smtClean="0">
+                <a:solidFill>
+                  <a:srgbClr val="0000FF"/>
+                </a:solidFill>
+                <a:highlight>
+                  <a:srgbClr val="FFFFFF"/>
+                </a:highlight>
+              </a:rPr>
+              <a:t>true</a:t>
+            </a:r>
+            <a:r>
+              <a:rPr lang="fr-FR" sz="1400" b="1" dirty="0" smtClean="0">
+                <a:solidFill>
+                  <a:srgbClr val="000080"/>
+                </a:solidFill>
+                <a:highlight>
+                  <a:srgbClr val="FFFFFF"/>
+                </a:highlight>
+              </a:rPr>
+              <a:t>;</a:t>
+            </a:r>
+            <a:endParaRPr lang="fr-FR" sz="1400" b="1" dirty="0" smtClean="0">
+              <a:solidFill>
+                <a:srgbClr val="000000"/>
+              </a:solidFill>
+              <a:highlight>
+                <a:srgbClr val="FFFFFF"/>
+              </a:highlight>
+            </a:endParaRPr>
+          </a:p>
+          <a:p>
+            <a:endParaRPr lang="fr-FR" sz="1400" dirty="0" smtClean="0">
+              <a:solidFill>
+                <a:srgbClr val="000000"/>
+              </a:solidFill>
+              <a:highlight>
+                <a:srgbClr val="FFFFFF"/>
+              </a:highlight>
+            </a:endParaRPr>
+          </a:p>
+          <a:p>
+            <a:pPr>
+              <a:buNone/>
+            </a:pPr>
+            <a:r>
+              <a:rPr lang="en-US" sz="1400" dirty="0" smtClean="0">
+                <a:solidFill>
+                  <a:srgbClr val="000000"/>
+                </a:solidFill>
+                <a:highlight>
+                  <a:srgbClr val="FFFFFF"/>
+                </a:highlight>
+              </a:rPr>
+              <a:t>	 </a:t>
+            </a:r>
+            <a:r>
+              <a:rPr lang="en-US" sz="1400" b="1" dirty="0" smtClean="0">
+                <a:solidFill>
+                  <a:srgbClr val="0000FF"/>
+                </a:solidFill>
+                <a:highlight>
+                  <a:srgbClr val="FFFFFF"/>
+                </a:highlight>
+              </a:rPr>
+              <a:t>public</a:t>
+            </a:r>
+            <a:r>
+              <a:rPr lang="en-US" sz="1400" b="1" dirty="0" smtClean="0">
+                <a:solidFill>
+                  <a:srgbClr val="000000"/>
+                </a:solidFill>
+                <a:highlight>
+                  <a:srgbClr val="FFFFFF"/>
+                </a:highlight>
+              </a:rPr>
+              <a:t> </a:t>
+            </a:r>
+            <a:r>
+              <a:rPr lang="en-US" sz="1400" b="1" dirty="0" smtClean="0">
+                <a:solidFill>
+                  <a:srgbClr val="8000FF"/>
+                </a:solidFill>
+                <a:highlight>
+                  <a:srgbClr val="FFFFFF"/>
+                </a:highlight>
+              </a:rPr>
+              <a:t>void</a:t>
+            </a:r>
+            <a:r>
+              <a:rPr lang="en-US" sz="1400" b="1" dirty="0" smtClean="0">
+                <a:solidFill>
+                  <a:srgbClr val="000000"/>
+                </a:solidFill>
+                <a:highlight>
+                  <a:srgbClr val="FFFFFF"/>
+                </a:highlight>
+              </a:rPr>
+              <a:t> </a:t>
+            </a:r>
+            <a:r>
+              <a:rPr lang="en-US" sz="1400" b="1" dirty="0" err="1" smtClean="0">
+                <a:solidFill>
+                  <a:srgbClr val="000000"/>
+                </a:solidFill>
+                <a:highlight>
+                  <a:srgbClr val="FFFFFF"/>
+                </a:highlight>
+              </a:rPr>
+              <a:t>BeforeMethod</a:t>
+            </a:r>
+            <a:r>
+              <a:rPr lang="en-US" sz="1400" b="1" dirty="0" smtClean="0">
+                <a:solidFill>
+                  <a:srgbClr val="000080"/>
+                </a:solidFill>
+                <a:highlight>
+                  <a:srgbClr val="FFFFFF"/>
+                </a:highlight>
+              </a:rPr>
+              <a:t>(</a:t>
+            </a:r>
+            <a:r>
+              <a:rPr lang="en-US" sz="1400" b="1" dirty="0" err="1" smtClean="0">
+                <a:solidFill>
+                  <a:srgbClr val="000000"/>
+                </a:solidFill>
+                <a:highlight>
+                  <a:srgbClr val="FFFFFF"/>
+                </a:highlight>
+              </a:rPr>
+              <a:t>MethodBase</a:t>
+            </a:r>
+            <a:r>
+              <a:rPr lang="en-US" sz="1400" b="1" dirty="0" smtClean="0">
+                <a:solidFill>
+                  <a:srgbClr val="000000"/>
+                </a:solidFill>
+                <a:highlight>
+                  <a:srgbClr val="FFFFFF"/>
+                </a:highlight>
+              </a:rPr>
+              <a:t> method</a:t>
+            </a:r>
+            <a:r>
+              <a:rPr lang="en-US" sz="1400" b="1" dirty="0" smtClean="0">
+                <a:solidFill>
+                  <a:srgbClr val="000080"/>
+                </a:solidFill>
+                <a:highlight>
+                  <a:srgbClr val="FFFFFF"/>
+                </a:highlight>
+              </a:rPr>
+              <a:t>,</a:t>
+            </a:r>
+            <a:r>
+              <a:rPr lang="en-US" sz="1400" b="1" dirty="0" smtClean="0">
+                <a:solidFill>
+                  <a:srgbClr val="000000"/>
+                </a:solidFill>
+                <a:highlight>
+                  <a:srgbClr val="FFFFFF"/>
+                </a:highlight>
+              </a:rPr>
+              <a:t> </a:t>
+            </a:r>
+            <a:r>
+              <a:rPr lang="en-US" sz="1400" b="1" dirty="0" smtClean="0">
+                <a:solidFill>
+                  <a:srgbClr val="0000FF"/>
+                </a:solidFill>
+                <a:highlight>
+                  <a:srgbClr val="FFFFFF"/>
+                </a:highlight>
+              </a:rPr>
+              <a:t>object</a:t>
+            </a:r>
+            <a:r>
+              <a:rPr lang="en-US" sz="1400" b="1" dirty="0" smtClean="0">
+                <a:solidFill>
+                  <a:srgbClr val="000080"/>
+                </a:solidFill>
+                <a:highlight>
+                  <a:srgbClr val="FFFFFF"/>
+                </a:highlight>
+              </a:rPr>
+              <a:t>[]</a:t>
+            </a:r>
+            <a:r>
+              <a:rPr lang="en-US" sz="1400" b="1" dirty="0" smtClean="0">
+                <a:solidFill>
+                  <a:srgbClr val="000000"/>
+                </a:solidFill>
+                <a:highlight>
+                  <a:srgbClr val="FFFFFF"/>
+                </a:highlight>
+              </a:rPr>
+              <a:t> parameters</a:t>
+            </a:r>
+            <a:r>
+              <a:rPr lang="en-US" sz="1400" b="1" dirty="0" smtClean="0">
+                <a:solidFill>
+                  <a:srgbClr val="000080"/>
+                </a:solidFill>
+                <a:highlight>
+                  <a:srgbClr val="FFFFFF"/>
+                </a:highlight>
+              </a:rPr>
+              <a:t>)</a:t>
+            </a:r>
+            <a:endParaRPr lang="en-US" sz="1400" b="1" dirty="0" smtClean="0">
+              <a:solidFill>
+                <a:srgbClr val="000000"/>
+              </a:solidFill>
+              <a:highlight>
+                <a:srgbClr val="FFFFFF"/>
+              </a:highlight>
+            </a:endParaRPr>
+          </a:p>
+          <a:p>
+            <a:pPr>
+              <a:buNone/>
+            </a:pPr>
+            <a:r>
+              <a:rPr lang="fr-FR" sz="1400" dirty="0" smtClean="0">
+                <a:solidFill>
+                  <a:srgbClr val="000000"/>
+                </a:solidFill>
+                <a:highlight>
+                  <a:srgbClr val="FFFFFF"/>
+                </a:highlight>
+              </a:rPr>
+              <a:t>	 </a:t>
+            </a:r>
+            <a:r>
+              <a:rPr lang="fr-FR" sz="1400" b="1" dirty="0" smtClean="0">
+                <a:solidFill>
+                  <a:srgbClr val="000080"/>
+                </a:solidFill>
+                <a:highlight>
+                  <a:srgbClr val="FFFFFF"/>
+                </a:highlight>
+              </a:rPr>
+              <a:t>{</a:t>
+            </a:r>
+            <a:endParaRPr lang="fr-FR" sz="1400" b="1" dirty="0" smtClean="0">
+              <a:solidFill>
+                <a:srgbClr val="000000"/>
+              </a:solidFill>
+              <a:highlight>
+                <a:srgbClr val="FFFFFF"/>
+              </a:highlight>
+            </a:endParaRPr>
+          </a:p>
+          <a:p>
+            <a:pPr>
+              <a:buNone/>
+            </a:pPr>
+            <a:r>
+              <a:rPr lang="fr-FR" sz="1400" dirty="0" smtClean="0">
+                <a:solidFill>
+                  <a:srgbClr val="000000"/>
+                </a:solidFill>
+                <a:highlight>
+                  <a:srgbClr val="FFFFFF"/>
+                </a:highlight>
+              </a:rPr>
+              <a:t>		</a:t>
+            </a:r>
+            <a:r>
+              <a:rPr lang="fr-FR" sz="1400" dirty="0" err="1" smtClean="0">
+                <a:solidFill>
+                  <a:srgbClr val="000000"/>
+                </a:solidFill>
+                <a:highlight>
+                  <a:srgbClr val="FFFFFF"/>
+                </a:highlight>
+              </a:rPr>
+              <a:t>Logger</a:t>
+            </a:r>
+            <a:r>
+              <a:rPr lang="fr-FR" sz="1400" b="1" dirty="0" err="1" smtClean="0">
+                <a:solidFill>
+                  <a:srgbClr val="000080"/>
+                </a:solidFill>
+                <a:highlight>
+                  <a:srgbClr val="FFFFFF"/>
+                </a:highlight>
+              </a:rPr>
+              <a:t>.</a:t>
+            </a:r>
+            <a:r>
+              <a:rPr lang="fr-FR" sz="1400" b="1" dirty="0" err="1" smtClean="0">
+                <a:solidFill>
+                  <a:srgbClr val="000000"/>
+                </a:solidFill>
+                <a:highlight>
+                  <a:srgbClr val="FFFFFF"/>
+                </a:highlight>
+              </a:rPr>
+              <a:t>Log</a:t>
+            </a:r>
+            <a:r>
+              <a:rPr lang="fr-FR" sz="1400" b="1" dirty="0" smtClean="0">
+                <a:solidFill>
+                  <a:srgbClr val="000080"/>
+                </a:solidFill>
+                <a:highlight>
+                  <a:srgbClr val="FFFFFF"/>
+                </a:highlight>
+              </a:rPr>
+              <a:t>(</a:t>
+            </a:r>
+            <a:r>
+              <a:rPr lang="fr-FR" sz="1400" b="1" dirty="0" smtClean="0">
+                <a:solidFill>
+                  <a:srgbClr val="808080"/>
+                </a:solidFill>
+                <a:highlight>
+                  <a:srgbClr val="FFFFFF"/>
+                </a:highlight>
+              </a:rPr>
+              <a:t>"{0} : {1}"</a:t>
+            </a:r>
+            <a:r>
+              <a:rPr lang="fr-FR" sz="1400" b="1" dirty="0" smtClean="0">
+                <a:solidFill>
+                  <a:srgbClr val="000080"/>
+                </a:solidFill>
+                <a:highlight>
+                  <a:srgbClr val="FFFFFF"/>
+                </a:highlight>
+              </a:rPr>
+              <a:t>,</a:t>
+            </a:r>
+            <a:r>
+              <a:rPr lang="fr-FR" sz="1400" b="1" dirty="0" smtClean="0">
+                <a:solidFill>
+                  <a:srgbClr val="000000"/>
+                </a:solidFill>
+                <a:highlight>
+                  <a:srgbClr val="FFFFFF"/>
+                </a:highlight>
+              </a:rPr>
+              <a:t> </a:t>
+            </a:r>
+            <a:r>
+              <a:rPr lang="fr-FR" sz="1400" b="1" dirty="0" err="1" smtClean="0">
+                <a:solidFill>
+                  <a:srgbClr val="000000"/>
+                </a:solidFill>
+                <a:highlight>
+                  <a:srgbClr val="FFFFFF"/>
+                </a:highlight>
+              </a:rPr>
+              <a:t>method</a:t>
+            </a:r>
+            <a:r>
+              <a:rPr lang="fr-FR" sz="1400" b="1" dirty="0" err="1" smtClean="0">
+                <a:solidFill>
+                  <a:srgbClr val="000080"/>
+                </a:solidFill>
+                <a:highlight>
+                  <a:srgbClr val="FFFFFF"/>
+                </a:highlight>
+              </a:rPr>
+              <a:t>.</a:t>
+            </a:r>
+            <a:r>
+              <a:rPr lang="fr-FR" sz="1400" b="1" dirty="0" err="1" smtClean="0">
+                <a:solidFill>
+                  <a:srgbClr val="000000"/>
+                </a:solidFill>
+                <a:highlight>
+                  <a:srgbClr val="FFFFFF"/>
+                </a:highlight>
+              </a:rPr>
+              <a:t>Name</a:t>
+            </a:r>
+            <a:r>
+              <a:rPr lang="fr-FR" sz="1400" b="1" dirty="0" smtClean="0">
+                <a:solidFill>
+                  <a:srgbClr val="000080"/>
+                </a:solidFill>
+                <a:highlight>
+                  <a:srgbClr val="FFFFFF"/>
+                </a:highlight>
+              </a:rPr>
+              <a:t>,</a:t>
+            </a:r>
+            <a:r>
+              <a:rPr lang="fr-FR" sz="1400" b="1" dirty="0" smtClean="0">
+                <a:solidFill>
+                  <a:srgbClr val="000000"/>
+                </a:solidFill>
+                <a:highlight>
+                  <a:srgbClr val="FFFFFF"/>
+                </a:highlight>
+              </a:rPr>
+              <a:t> </a:t>
+            </a:r>
+            <a:r>
+              <a:rPr lang="fr-FR" sz="1400" b="1" dirty="0" err="1" smtClean="0">
+                <a:solidFill>
+                  <a:srgbClr val="8000FF"/>
+                </a:solidFill>
+                <a:highlight>
+                  <a:srgbClr val="FFFFFF"/>
+                </a:highlight>
+              </a:rPr>
+              <a:t>string</a:t>
+            </a:r>
+            <a:r>
+              <a:rPr lang="fr-FR" sz="1400" b="1" dirty="0" err="1" smtClean="0">
+                <a:solidFill>
+                  <a:srgbClr val="000080"/>
+                </a:solidFill>
+                <a:highlight>
+                  <a:srgbClr val="FFFFFF"/>
+                </a:highlight>
+              </a:rPr>
+              <a:t>.</a:t>
+            </a:r>
+            <a:r>
+              <a:rPr lang="fr-FR" sz="1400" b="1" dirty="0" err="1" smtClean="0">
+                <a:solidFill>
+                  <a:srgbClr val="000000"/>
+                </a:solidFill>
+                <a:highlight>
+                  <a:srgbClr val="FFFFFF"/>
+                </a:highlight>
+              </a:rPr>
+              <a:t>Join</a:t>
+            </a:r>
+            <a:r>
+              <a:rPr lang="fr-FR" sz="1400" b="1" dirty="0" smtClean="0">
+                <a:solidFill>
+                  <a:srgbClr val="000080"/>
+                </a:solidFill>
+                <a:highlight>
+                  <a:srgbClr val="FFFFFF"/>
+                </a:highlight>
+              </a:rPr>
+              <a:t>(</a:t>
+            </a:r>
+            <a:r>
+              <a:rPr lang="fr-FR" sz="1400" b="1" dirty="0" smtClean="0">
+                <a:solidFill>
+                  <a:srgbClr val="808080"/>
+                </a:solidFill>
+                <a:highlight>
+                  <a:srgbClr val="FFFFFF"/>
+                </a:highlight>
+              </a:rPr>
+              <a:t>","</a:t>
+            </a:r>
+            <a:r>
+              <a:rPr lang="fr-FR" sz="1400" b="1" dirty="0" smtClean="0">
+                <a:solidFill>
+                  <a:srgbClr val="000080"/>
+                </a:solidFill>
+                <a:highlight>
+                  <a:srgbClr val="FFFFFF"/>
+                </a:highlight>
+              </a:rPr>
+              <a:t>,</a:t>
+            </a:r>
+            <a:r>
+              <a:rPr lang="fr-FR" sz="1400" b="1" dirty="0" smtClean="0">
+                <a:solidFill>
+                  <a:srgbClr val="000000"/>
+                </a:solidFill>
+                <a:highlight>
+                  <a:srgbClr val="FFFFFF"/>
+                </a:highlight>
+              </a:rPr>
+              <a:t> </a:t>
+            </a:r>
+            <a:r>
+              <a:rPr lang="fr-FR" sz="1400" b="1" dirty="0" err="1" smtClean="0">
+                <a:solidFill>
+                  <a:srgbClr val="000000"/>
+                </a:solidFill>
+                <a:highlight>
+                  <a:srgbClr val="FFFFFF"/>
+                </a:highlight>
+              </a:rPr>
+              <a:t>parameters</a:t>
+            </a:r>
+            <a:r>
+              <a:rPr lang="fr-FR" sz="1400" b="1" dirty="0" err="1" smtClean="0">
+                <a:solidFill>
+                  <a:srgbClr val="000080"/>
+                </a:solidFill>
+                <a:highlight>
+                  <a:srgbClr val="FFFFFF"/>
+                </a:highlight>
+              </a:rPr>
+              <a:t>.</a:t>
+            </a:r>
+            <a:r>
+              <a:rPr lang="fr-FR" sz="1400" b="1" dirty="0" err="1" smtClean="0">
+                <a:solidFill>
+                  <a:srgbClr val="000000"/>
+                </a:solidFill>
+                <a:highlight>
+                  <a:srgbClr val="FFFFFF"/>
+                </a:highlight>
+              </a:rPr>
+              <a:t>Select</a:t>
+            </a:r>
+            <a:r>
+              <a:rPr lang="fr-FR" sz="1400" b="1" dirty="0" smtClean="0">
+                <a:solidFill>
+                  <a:srgbClr val="000080"/>
+                </a:solidFill>
+                <a:highlight>
+                  <a:srgbClr val="FFFFFF"/>
+                </a:highlight>
+              </a:rPr>
+              <a:t>(</a:t>
+            </a:r>
+            <a:r>
+              <a:rPr lang="fr-FR" sz="1400" b="1" dirty="0" err="1" smtClean="0">
+                <a:solidFill>
+                  <a:srgbClr val="000000"/>
+                </a:solidFill>
+                <a:highlight>
+                  <a:srgbClr val="FFFFFF"/>
+                </a:highlight>
+              </a:rPr>
+              <a:t>p</a:t>
+            </a:r>
+            <a:r>
+              <a:rPr lang="fr-FR" sz="1400" b="1" dirty="0" err="1" smtClean="0">
+                <a:solidFill>
+                  <a:srgbClr val="000080"/>
+                </a:solidFill>
+                <a:highlight>
+                  <a:srgbClr val="FFFFFF"/>
+                </a:highlight>
+              </a:rPr>
+              <a:t>.</a:t>
+            </a:r>
+            <a:r>
+              <a:rPr lang="fr-FR" sz="1400" b="1" dirty="0" err="1" smtClean="0">
+                <a:solidFill>
+                  <a:srgbClr val="000000"/>
+                </a:solidFill>
+                <a:highlight>
+                  <a:srgbClr val="FFFFFF"/>
+                </a:highlight>
+              </a:rPr>
+              <a:t>ToString</a:t>
+            </a:r>
+            <a:r>
+              <a:rPr lang="fr-FR" sz="1400" b="1" dirty="0" smtClean="0">
+                <a:solidFill>
+                  <a:srgbClr val="000000"/>
+                </a:solidFill>
+                <a:highlight>
+                  <a:srgbClr val="FFFFFF"/>
+                </a:highlight>
+              </a:rPr>
+              <a:t>()</a:t>
+            </a:r>
+            <a:r>
+              <a:rPr lang="fr-FR" sz="1400" b="1" dirty="0" smtClean="0">
+                <a:solidFill>
+                  <a:srgbClr val="000080"/>
+                </a:solidFill>
+                <a:highlight>
+                  <a:srgbClr val="FFFFFF"/>
+                </a:highlight>
+              </a:rPr>
+              <a:t>));</a:t>
+            </a:r>
+            <a:endParaRPr lang="fr-FR" sz="1400" b="1" dirty="0" smtClean="0">
+              <a:solidFill>
+                <a:srgbClr val="000000"/>
+              </a:solidFill>
+              <a:highlight>
+                <a:srgbClr val="FFFFFF"/>
+              </a:highlight>
+            </a:endParaRPr>
+          </a:p>
+          <a:p>
+            <a:pPr>
+              <a:buNone/>
+            </a:pPr>
+            <a:r>
+              <a:rPr lang="fr-FR" sz="1400" dirty="0" smtClean="0">
+                <a:solidFill>
+                  <a:srgbClr val="000000"/>
+                </a:solidFill>
+                <a:highlight>
+                  <a:srgbClr val="FFFFFF"/>
+                </a:highlight>
+              </a:rPr>
+              <a:t>	 </a:t>
+            </a:r>
+            <a:r>
+              <a:rPr lang="fr-FR" sz="1400" b="1" dirty="0" smtClean="0">
+                <a:solidFill>
+                  <a:srgbClr val="000080"/>
+                </a:solidFill>
+                <a:highlight>
+                  <a:srgbClr val="FFFFFF"/>
+                </a:highlight>
+              </a:rPr>
+              <a:t>}</a:t>
+            </a:r>
+            <a:endParaRPr lang="fr-FR" sz="1400" b="1" dirty="0" smtClean="0">
+              <a:solidFill>
+                <a:srgbClr val="000000"/>
+              </a:solidFill>
+              <a:highlight>
+                <a:srgbClr val="FFFFFF"/>
+              </a:highlight>
+            </a:endParaRPr>
+          </a:p>
+          <a:p>
+            <a:pPr>
+              <a:buNone/>
+            </a:pPr>
+            <a:r>
+              <a:rPr lang="fr-FR" sz="1400" b="1" dirty="0" smtClean="0">
+                <a:solidFill>
+                  <a:srgbClr val="000080"/>
+                </a:solidFill>
+                <a:highlight>
+                  <a:srgbClr val="FFFFFF"/>
+                </a:highlight>
+              </a:rPr>
+              <a:t>}</a:t>
+            </a:r>
+            <a:endParaRPr lang="fr-FR" sz="1400" dirty="0"/>
           </a:p>
         </p:txBody>
       </p:sp>
@@ -6325,6 +6307,13 @@
   <p:clrMapOvr>
     <a:masterClrMapping/>
   </p:clrMapOvr>
+  <p:timing>
+    <p:tnLst>
+      <p:par>
+        <p:cTn id="1" dur="indefinite" restart="never" nodeType="tmRoot"/>
+      </p:par>
+    </p:tnLst>
+  </p:timing>
 </p:sld>
 </file>
 
@@ -6361,87 +6350,100 @@
           <a:lstStyle/>
           <a:p>
             <a:r>
+              <a:rPr lang="fr-FR" dirty="0" smtClean="0"/>
+              <a:t>Possibilités</a:t>
+            </a:r>
+            <a:endParaRPr lang="fr-FR" dirty="0"/>
+          </a:p>
+        </p:txBody>
+      </p:sp>
+      <p:sp>
+        <p:nvSpPr>
+          <p:cNvPr id="3" name="Espace réservé du contenu 2"/>
+          <p:cNvSpPr>
+            <a:spLocks noGrp="1"/>
+          </p:cNvSpPr>
+          <p:nvPr>
+            <p:ph idx="1"/>
+          </p:nvPr>
+        </p:nvSpPr>
+        <p:spPr/>
+        <p:txBody>
+          <a:bodyPr>
+            <a:normAutofit lnSpcReduction="10000"/>
+          </a:bodyPr>
+          <a:lstStyle/>
+          <a:p>
+            <a:r>
+              <a:rPr lang="fr-FR" dirty="0" smtClean="0"/>
+              <a:t>Mettre un aspect sur :</a:t>
+            </a:r>
+          </a:p>
+          <a:p>
+            <a:pPr lvl="1"/>
+            <a:r>
+              <a:rPr lang="fr-FR" dirty="0" smtClean="0"/>
+              <a:t>Les paramètres des méthodes</a:t>
+            </a:r>
+          </a:p>
+          <a:p>
+            <a:pPr lvl="1"/>
+            <a:r>
+              <a:rPr lang="fr-FR" dirty="0" smtClean="0"/>
+              <a:t>Les appels à des méthodes/</a:t>
+            </a:r>
+            <a:r>
               <a:rPr lang="fr-FR" dirty="0" err="1" smtClean="0"/>
-              <a:t>NetAspect</a:t>
-            </a:r>
-            <a:endParaRPr lang="fr-FR" dirty="0"/>
-          </a:p>
-        </p:txBody>
-      </p:sp>
-      <p:sp>
-        <p:nvSpPr>
-          <p:cNvPr id="3" name="Espace réservé du contenu 2"/>
-          <p:cNvSpPr>
-            <a:spLocks noGrp="1"/>
-          </p:cNvSpPr>
-          <p:nvPr>
-            <p:ph idx="1"/>
-          </p:nvPr>
-        </p:nvSpPr>
-        <p:spPr/>
-        <p:txBody>
-          <a:bodyPr/>
-          <a:lstStyle/>
-          <a:p>
+              <a:t>fields</a:t>
+            </a:r>
             <a:r>
               <a:rPr lang="fr-FR" dirty="0" smtClean="0"/>
-              <a:t>L’état actuel</a:t>
+              <a:t>/constructeurs</a:t>
             </a:r>
           </a:p>
           <a:p>
             <a:pPr lvl="1"/>
             <a:r>
               <a:rPr lang="fr-FR" dirty="0" smtClean="0"/>
-              <a:t>Fonctionnellement complet à 95%</a:t>
+              <a:t>Les méthodes/constructeurs</a:t>
+            </a:r>
+          </a:p>
+          <a:p>
+            <a:r>
+              <a:rPr lang="fr-FR" dirty="0" smtClean="0"/>
+              <a:t>Récupérer des informations comme</a:t>
             </a:r>
           </a:p>
           <a:p>
             <a:pPr lvl="1"/>
             <a:r>
               <a:rPr lang="fr-FR" dirty="0" smtClean="0"/>
-              <a:t>Peu de doc</a:t>
-            </a:r>
-          </a:p>
-          <a:p>
+              <a:t>La méthode</a:t>
+            </a:r>
+          </a:p>
+          <a:p>
+            <a:pPr lvl="1"/>
             <a:r>
               <a:rPr lang="fr-FR" dirty="0" smtClean="0"/>
-              <a:t>La suite :</a:t>
+              <a:t>Les paramètres</a:t>
             </a:r>
           </a:p>
           <a:p>
             <a:pPr lvl="1"/>
             <a:r>
+              <a:rPr lang="fr-FR" dirty="0" smtClean="0"/>
+              <a:t>Infos du fichier</a:t>
+            </a:r>
+          </a:p>
+          <a:p>
+            <a:pPr lvl="1"/>
+            <a:r>
               <a:rPr lang="fr-FR" dirty="0" err="1" smtClean="0"/>
-              <a:t>Refactoring</a:t>
+              <a:t>Etc</a:t>
             </a:r>
             <a:r>
               <a:rPr lang="fr-FR" dirty="0" smtClean="0"/>
-              <a:t> des tests</a:t>
-            </a:r>
-          </a:p>
-          <a:p>
-            <a:pPr lvl="1"/>
-            <a:r>
-              <a:rPr lang="fr-FR" dirty="0" smtClean="0"/>
-              <a:t>Terminer le fonctionnel</a:t>
-            </a:r>
-          </a:p>
-          <a:p>
-            <a:pPr lvl="1"/>
-            <a:r>
-              <a:rPr lang="fr-FR" dirty="0" err="1" smtClean="0"/>
-              <a:t>Add</a:t>
-            </a:r>
-            <a:r>
-              <a:rPr lang="fr-FR" dirty="0" smtClean="0"/>
-              <a:t>-in Visual Studio</a:t>
-            </a:r>
-          </a:p>
-          <a:p>
-            <a:pPr lvl="1"/>
-            <a:r>
-              <a:rPr lang="fr-FR" dirty="0" smtClean="0"/>
-              <a:t>Documentation</a:t>
+              <a:t>…</a:t>
             </a:r>
             <a:endParaRPr lang="fr-FR" dirty="0"/>
           </a:p>
@@ -6474,6 +6476,133 @@
       </p:grpSpPr>
       <p:sp>
         <p:nvSpPr>
+          <p:cNvPr id="2" name="Titre 1"/>
+          <p:cNvSpPr>
+            <a:spLocks noGrp="1"/>
+          </p:cNvSpPr>
+          <p:nvPr>
+            <p:ph type="title"/>
+          </p:nvPr>
+        </p:nvSpPr>
+        <p:spPr/>
+        <p:txBody>
+          <a:bodyPr/>
+          <a:lstStyle/>
+          <a:p>
+            <a:r>
+              <a:rPr lang="fr-FR" dirty="0" err="1" smtClean="0"/>
+              <a:t>NetAspect</a:t>
+            </a:r>
+            <a:endParaRPr lang="fr-FR" dirty="0"/>
+          </a:p>
+        </p:txBody>
+      </p:sp>
+      <p:sp>
+        <p:nvSpPr>
+          <p:cNvPr id="3" name="Espace réservé du contenu 2"/>
+          <p:cNvSpPr>
+            <a:spLocks noGrp="1"/>
+          </p:cNvSpPr>
+          <p:nvPr>
+            <p:ph idx="1"/>
+          </p:nvPr>
+        </p:nvSpPr>
+        <p:spPr/>
+        <p:txBody>
+          <a:bodyPr/>
+          <a:lstStyle/>
+          <a:p>
+            <a:r>
+              <a:rPr lang="fr-FR" dirty="0" smtClean="0"/>
+              <a:t>L’état actuel</a:t>
+            </a:r>
+          </a:p>
+          <a:p>
+            <a:pPr lvl="1"/>
+            <a:r>
+              <a:rPr lang="fr-FR" dirty="0" smtClean="0"/>
+              <a:t>Fonctionnellement complet à 95%</a:t>
+            </a:r>
+          </a:p>
+          <a:p>
+            <a:pPr lvl="1"/>
+            <a:r>
+              <a:rPr lang="fr-FR" dirty="0" smtClean="0"/>
+              <a:t>Peu de doc</a:t>
+            </a:r>
+          </a:p>
+          <a:p>
+            <a:r>
+              <a:rPr lang="fr-FR" dirty="0" smtClean="0"/>
+              <a:t>La suite :</a:t>
+            </a:r>
+          </a:p>
+          <a:p>
+            <a:pPr lvl="1"/>
+            <a:r>
+              <a:rPr lang="fr-FR" dirty="0" err="1" smtClean="0"/>
+              <a:t>Refactoring</a:t>
+            </a:r>
+            <a:r>
+              <a:rPr lang="fr-FR" dirty="0" smtClean="0"/>
+              <a:t> des tests</a:t>
+            </a:r>
+          </a:p>
+          <a:p>
+            <a:pPr lvl="1"/>
+            <a:r>
+              <a:rPr lang="fr-FR" dirty="0" smtClean="0"/>
+              <a:t>Terminer le fonctionnel</a:t>
+            </a:r>
+          </a:p>
+          <a:p>
+            <a:pPr lvl="1"/>
+            <a:r>
+              <a:rPr lang="fr-FR" dirty="0" err="1" smtClean="0"/>
+              <a:t>Add</a:t>
+            </a:r>
+            <a:r>
+              <a:rPr lang="fr-FR" dirty="0" smtClean="0"/>
+              <a:t>-in Visual Studio</a:t>
+            </a:r>
+          </a:p>
+          <a:p>
+            <a:pPr lvl="1"/>
+            <a:r>
+              <a:rPr lang="fr-FR" dirty="0" smtClean="0"/>
+              <a:t>Documentation</a:t>
+            </a:r>
+            <a:endParaRPr lang="fr-FR" dirty="0"/>
+          </a:p>
+        </p:txBody>
+      </p:sp>
+    </p:spTree>
+  </p:cSld>
+  <p:clrMapOvr>
+    <a:masterClrMapping/>
+  </p:clrMapOvr>
+</p:sld>
+</file>
+
+<file path=ppt/slides/slide17.xml><?xml version="1.0" encoding="utf-8"?>
+<p:sld xmlns:a="http://schemas.openxmlformats.org/drawingml/2006/main" xmlns:r="http://schemas.openxmlformats.org/officeDocument/2006/relationships" xmlns:p="http://schemas.openxmlformats.org/presentationml/2006/main">
+  <p:cSld>
+    <p:spTree>
+      <p:nvGrpSpPr>
+        <p:cNvPr id="1" name=""/>
+        <p:cNvGrpSpPr/>
+        <p:nvPr/>
+      </p:nvGrpSpPr>
+      <p:grpSpPr>
+        <a:xfrm>
+          <a:off x="0" y="0"/>
+          <a:ext cx="0" cy="0"/>
+          <a:chOff x="0" y="0"/>
+          <a:chExt cx="0" cy="0"/>
+        </a:xfrm>
+      </p:grpSpPr>
+      <p:sp>
+        <p:nvSpPr>
           <p:cNvPr id="4" name="Titre 3"/>
           <p:cNvSpPr>
             <a:spLocks noGrp="1"/>
@@ -6583,9 +6712,16 @@
             </a:r>
           </a:p>
           <a:p>
+            <a:endParaRPr lang="fr-FR" dirty="0" smtClean="0"/>
+          </a:p>
+          <a:p>
             <a:r>
               <a:rPr lang="fr-FR" dirty="0" smtClean="0"/>
-              <a:t>Présentation de </a:t>
+              <a:t>Présentation </a:t>
+            </a:r>
+            <a:r>
+              <a:rPr lang="fr-FR" dirty="0" smtClean="0"/>
+              <a:t>de </a:t>
             </a:r>
             <a:r>
               <a:rPr lang="fr-FR" dirty="0" err="1" smtClean="0"/>
@@ -6594,16 +6730,17 @@
             <a:endParaRPr lang="fr-FR" dirty="0" smtClean="0"/>
           </a:p>
           <a:p>
-            <a:r>
-              <a:rPr lang="fr-FR" dirty="0" smtClean="0"/>
-              <a:t>Possibilités</a:t>
-            </a:r>
-          </a:p>
-          <a:p>
-            <a:r>
-              <a:rPr lang="fr-FR" dirty="0" smtClean="0"/>
-              <a:t>Exemples</a:t>
-            </a:r>
+            <a:endParaRPr lang="fr-FR" dirty="0" smtClean="0"/>
+          </a:p>
+          <a:p>
+            <a:r>
+              <a:rPr lang="fr-FR" smtClean="0"/>
+              <a:t>Exemple</a:t>
+            </a:r>
+            <a:endParaRPr lang="fr-FR" dirty="0" smtClean="0"/>
+          </a:p>
+          <a:p>
+            <a:endParaRPr lang="fr-FR" dirty="0"/>
           </a:p>
           <a:p>
             <a:r>
@@ -6736,6 +6873,13 @@
   <p:clrMapOvr>
     <a:masterClrMapping/>
   </p:clrMapOvr>
+  <p:timing>
+    <p:tnLst>
+      <p:par>
+        <p:cTn id="1" dur="indefinite" restart="never" nodeType="tmRoot"/>
+      </p:par>
+    </p:tnLst>
+  </p:timing>
 </p:sld>
 </file>
 
